--- a/Chapitre_02_Frottement/Cours/images/Figure.pptx
+++ b/Chapitre_02_Frottement/Cours/images/Figure.pptx
@@ -11,11 +11,12 @@
     <p:sldId id="265" r:id="rId5"/>
     <p:sldId id="266" r:id="rId6"/>
     <p:sldId id="262" r:id="rId7"/>
-    <p:sldId id="260" r:id="rId8"/>
-    <p:sldId id="261" r:id="rId9"/>
-    <p:sldId id="256" r:id="rId10"/>
-    <p:sldId id="258" r:id="rId11"/>
-    <p:sldId id="257" r:id="rId12"/>
+    <p:sldId id="267" r:id="rId8"/>
+    <p:sldId id="260" r:id="rId9"/>
+    <p:sldId id="261" r:id="rId10"/>
+    <p:sldId id="256" r:id="rId11"/>
+    <p:sldId id="258" r:id="rId12"/>
+    <p:sldId id="257" r:id="rId13"/>
   </p:sldIdLst>
   <p:sldSz cx="9144000" cy="6858000" type="screen4x3"/>
   <p:notesSz cx="6858000" cy="9144000"/>
@@ -4189,6 +4190,1963 @@
         </p:blipFill>
         <p:spPr bwMode="auto">
           <a:xfrm>
+            <a:off x="3635896" y="590973"/>
+            <a:ext cx="4838700" cy="4371975"/>
+          </a:xfrm>
+          <a:prstGeom prst="rect">
+            <a:avLst/>
+          </a:prstGeom>
+          <a:noFill/>
+          <a:ln>
+            <a:noFill/>
+          </a:ln>
+          <a:extLst>
+            <a:ext uri="{909E8E84-426E-40DD-AFC4-6F175D3DCCD1}">
+              <a14:hiddenFill xmlns:a14="http://schemas.microsoft.com/office/drawing/2010/main">
+                <a:solidFill>
+                  <a:schemeClr val="accent1"/>
+                </a:solidFill>
+              </a14:hiddenFill>
+            </a:ext>
+            <a:ext uri="{91240B29-F687-4F45-9708-019B960494DF}">
+              <a14:hiddenLine xmlns:a14="http://schemas.microsoft.com/office/drawing/2010/main" w="9525">
+                <a:solidFill>
+                  <a:schemeClr val="tx1"/>
+                </a:solidFill>
+                <a:miter lim="800000"/>
+                <a:headEnd/>
+                <a:tailEnd/>
+              </a14:hiddenLine>
+            </a:ext>
+          </a:extLst>
+        </p:spPr>
+      </p:pic>
+      <p:sp>
+        <p:nvSpPr>
+          <p:cNvPr id="4" name="Ellipse 3"/>
+          <p:cNvSpPr/>
+          <p:nvPr/>
+        </p:nvSpPr>
+        <p:spPr>
+          <a:xfrm>
+            <a:off x="1115616" y="1772816"/>
+            <a:ext cx="432048" cy="432048"/>
+          </a:xfrm>
+          <a:prstGeom prst="ellipse">
+            <a:avLst/>
+          </a:prstGeom>
+          <a:solidFill>
+            <a:schemeClr val="bg1">
+              <a:lumMod val="85000"/>
+            </a:schemeClr>
+          </a:solidFill>
+          <a:ln w="28575">
+            <a:solidFill>
+              <a:schemeClr val="tx1"/>
+            </a:solidFill>
+          </a:ln>
+        </p:spPr>
+        <p:style>
+          <a:lnRef idx="2">
+            <a:schemeClr val="accent1">
+              <a:shade val="50000"/>
+            </a:schemeClr>
+          </a:lnRef>
+          <a:fillRef idx="1">
+            <a:schemeClr val="accent1"/>
+          </a:fillRef>
+          <a:effectRef idx="0">
+            <a:schemeClr val="accent1"/>
+          </a:effectRef>
+          <a:fontRef idx="minor">
+            <a:schemeClr val="lt1"/>
+          </a:fontRef>
+        </p:style>
+        <p:txBody>
+          <a:bodyPr lIns="0" tIns="0" rIns="0" bIns="0" rtlCol="0" anchor="ctr"/>
+          <a:lstStyle/>
+          <a:p>
+            <a:pPr algn="ctr"/>
+            <a:r>
+              <a:rPr lang="fr-FR" b="1" dirty="0">
+                <a:solidFill>
+                  <a:sysClr val="windowText" lastClr="000000"/>
+                </a:solidFill>
+              </a:rPr>
+              <a:t>N</a:t>
+            </a:r>
+          </a:p>
+        </p:txBody>
+      </p:sp>
+      <p:cxnSp>
+        <p:nvCxnSpPr>
+          <p:cNvPr id="7" name="Connecteur droit 6"/>
+          <p:cNvCxnSpPr>
+            <a:endCxn id="4" idx="0"/>
+          </p:cNvCxnSpPr>
+          <p:nvPr/>
+        </p:nvCxnSpPr>
+        <p:spPr>
+          <a:xfrm>
+            <a:off x="1331640" y="1551640"/>
+            <a:ext cx="0" cy="221176"/>
+          </a:xfrm>
+          <a:prstGeom prst="line">
+            <a:avLst/>
+          </a:prstGeom>
+          <a:noFill/>
+          <a:ln w="28575">
+            <a:solidFill>
+              <a:schemeClr val="tx1"/>
+            </a:solidFill>
+          </a:ln>
+        </p:spPr>
+        <p:style>
+          <a:lnRef idx="2">
+            <a:schemeClr val="accent1">
+              <a:shade val="50000"/>
+            </a:schemeClr>
+          </a:lnRef>
+          <a:fillRef idx="1">
+            <a:schemeClr val="accent1"/>
+          </a:fillRef>
+          <a:effectRef idx="0">
+            <a:schemeClr val="accent1"/>
+          </a:effectRef>
+          <a:fontRef idx="minor">
+            <a:schemeClr val="lt1"/>
+          </a:fontRef>
+        </p:style>
+      </p:cxnSp>
+      <p:grpSp>
+        <p:nvGrpSpPr>
+          <p:cNvPr id="15" name="Groupe 14"/>
+          <p:cNvGrpSpPr/>
+          <p:nvPr/>
+        </p:nvGrpSpPr>
+        <p:grpSpPr>
+          <a:xfrm rot="10800000">
+            <a:off x="1115616" y="1335640"/>
+            <a:ext cx="432048" cy="216000"/>
+            <a:chOff x="1115616" y="2413488"/>
+            <a:chExt cx="432048" cy="216000"/>
+          </a:xfrm>
+        </p:grpSpPr>
+        <p:sp>
+          <p:nvSpPr>
+            <p:cNvPr id="12" name="Rectangle 11"/>
+            <p:cNvSpPr/>
+            <p:nvPr/>
+          </p:nvSpPr>
+          <p:spPr>
+            <a:xfrm>
+              <a:off x="1115616" y="2413488"/>
+              <a:ext cx="432048" cy="216000"/>
+            </a:xfrm>
+            <a:prstGeom prst="rect">
+              <a:avLst/>
+            </a:prstGeom>
+            <a:solidFill>
+              <a:schemeClr val="bg1">
+                <a:lumMod val="85000"/>
+              </a:schemeClr>
+            </a:solidFill>
+            <a:ln>
+              <a:noFill/>
+            </a:ln>
+          </p:spPr>
+          <p:style>
+            <a:lnRef idx="2">
+              <a:schemeClr val="accent1">
+                <a:shade val="50000"/>
+              </a:schemeClr>
+            </a:lnRef>
+            <a:fillRef idx="1">
+              <a:schemeClr val="accent1"/>
+            </a:fillRef>
+            <a:effectRef idx="0">
+              <a:schemeClr val="accent1"/>
+            </a:effectRef>
+            <a:fontRef idx="minor">
+              <a:schemeClr val="lt1"/>
+            </a:fontRef>
+          </p:style>
+          <p:txBody>
+            <a:bodyPr rtlCol="0" anchor="ctr"/>
+            <a:lstStyle/>
+            <a:p>
+              <a:pPr algn="ctr"/>
+              <a:endParaRPr lang="fr-FR"/>
+            </a:p>
+          </p:txBody>
+        </p:sp>
+        <p:cxnSp>
+          <p:nvCxnSpPr>
+            <p:cNvPr id="9" name="Connecteur droit 8"/>
+            <p:cNvCxnSpPr/>
+            <p:nvPr/>
+          </p:nvCxnSpPr>
+          <p:spPr>
+            <a:xfrm>
+              <a:off x="1115616" y="2413488"/>
+              <a:ext cx="432048" cy="0"/>
+            </a:xfrm>
+            <a:prstGeom prst="line">
+              <a:avLst/>
+            </a:prstGeom>
+            <a:noFill/>
+            <a:ln w="28575">
+              <a:solidFill>
+                <a:schemeClr val="tx1"/>
+              </a:solidFill>
+            </a:ln>
+          </p:spPr>
+          <p:style>
+            <a:lnRef idx="2">
+              <a:schemeClr val="accent1">
+                <a:shade val="50000"/>
+              </a:schemeClr>
+            </a:lnRef>
+            <a:fillRef idx="1">
+              <a:schemeClr val="accent1"/>
+            </a:fillRef>
+            <a:effectRef idx="0">
+              <a:schemeClr val="accent1"/>
+            </a:effectRef>
+            <a:fontRef idx="minor">
+              <a:schemeClr val="lt1"/>
+            </a:fontRef>
+          </p:style>
+        </p:cxnSp>
+      </p:grpSp>
+      <p:cxnSp>
+        <p:nvCxnSpPr>
+          <p:cNvPr id="23" name="Connecteur droit 22"/>
+          <p:cNvCxnSpPr>
+            <a:stCxn id="4" idx="2"/>
+            <a:endCxn id="17" idx="6"/>
+          </p:cNvCxnSpPr>
+          <p:nvPr/>
+        </p:nvCxnSpPr>
+        <p:spPr>
+          <a:xfrm flipH="1">
+            <a:off x="460039" y="1988840"/>
+            <a:ext cx="655577" cy="0"/>
+          </a:xfrm>
+          <a:prstGeom prst="line">
+            <a:avLst/>
+          </a:prstGeom>
+          <a:noFill/>
+          <a:ln w="28575">
+            <a:solidFill>
+              <a:schemeClr val="tx1"/>
+            </a:solidFill>
+          </a:ln>
+        </p:spPr>
+        <p:style>
+          <a:lnRef idx="2">
+            <a:schemeClr val="accent1">
+              <a:shade val="50000"/>
+            </a:schemeClr>
+          </a:lnRef>
+          <a:fillRef idx="1">
+            <a:schemeClr val="accent1"/>
+          </a:fillRef>
+          <a:effectRef idx="0">
+            <a:schemeClr val="accent1"/>
+          </a:effectRef>
+          <a:fontRef idx="minor">
+            <a:schemeClr val="lt1"/>
+          </a:fontRef>
+        </p:style>
+      </p:cxnSp>
+      <p:cxnSp>
+        <p:nvCxnSpPr>
+          <p:cNvPr id="26" name="Connecteur droit 25"/>
+          <p:cNvCxnSpPr>
+            <a:stCxn id="17" idx="4"/>
+            <a:endCxn id="18" idx="0"/>
+          </p:cNvCxnSpPr>
+          <p:nvPr/>
+        </p:nvCxnSpPr>
+        <p:spPr>
+          <a:xfrm>
+            <a:off x="244015" y="2204864"/>
+            <a:ext cx="0" cy="432048"/>
+          </a:xfrm>
+          <a:prstGeom prst="line">
+            <a:avLst/>
+          </a:prstGeom>
+          <a:noFill/>
+          <a:ln w="28575">
+            <a:solidFill>
+              <a:schemeClr val="tx1"/>
+            </a:solidFill>
+          </a:ln>
+        </p:spPr>
+        <p:style>
+          <a:lnRef idx="2">
+            <a:schemeClr val="accent1">
+              <a:shade val="50000"/>
+            </a:schemeClr>
+          </a:lnRef>
+          <a:fillRef idx="1">
+            <a:schemeClr val="accent1"/>
+          </a:fillRef>
+          <a:effectRef idx="0">
+            <a:schemeClr val="accent1"/>
+          </a:effectRef>
+          <a:fontRef idx="minor">
+            <a:schemeClr val="lt1"/>
+          </a:fontRef>
+        </p:style>
+      </p:cxnSp>
+      <p:cxnSp>
+        <p:nvCxnSpPr>
+          <p:cNvPr id="29" name="Connecteur droit 28"/>
+          <p:cNvCxnSpPr>
+            <a:stCxn id="19" idx="2"/>
+            <a:endCxn id="18" idx="6"/>
+          </p:cNvCxnSpPr>
+          <p:nvPr/>
+        </p:nvCxnSpPr>
+        <p:spPr>
+          <a:xfrm flipH="1">
+            <a:off x="460039" y="2852936"/>
+            <a:ext cx="655577" cy="0"/>
+          </a:xfrm>
+          <a:prstGeom prst="line">
+            <a:avLst/>
+          </a:prstGeom>
+          <a:noFill/>
+          <a:ln w="28575">
+            <a:solidFill>
+              <a:schemeClr val="tx1"/>
+            </a:solidFill>
+          </a:ln>
+        </p:spPr>
+        <p:style>
+          <a:lnRef idx="2">
+            <a:schemeClr val="accent1">
+              <a:shade val="50000"/>
+            </a:schemeClr>
+          </a:lnRef>
+          <a:fillRef idx="1">
+            <a:schemeClr val="accent1"/>
+          </a:fillRef>
+          <a:effectRef idx="0">
+            <a:schemeClr val="accent1"/>
+          </a:effectRef>
+          <a:fontRef idx="minor">
+            <a:schemeClr val="lt1"/>
+          </a:fontRef>
+        </p:style>
+      </p:cxnSp>
+      <p:cxnSp>
+        <p:nvCxnSpPr>
+          <p:cNvPr id="32" name="Connecteur droit 31"/>
+          <p:cNvCxnSpPr>
+            <a:stCxn id="4" idx="4"/>
+            <a:endCxn id="19" idx="0"/>
+          </p:cNvCxnSpPr>
+          <p:nvPr/>
+        </p:nvCxnSpPr>
+        <p:spPr>
+          <a:xfrm>
+            <a:off x="1331640" y="2204864"/>
+            <a:ext cx="0" cy="432048"/>
+          </a:xfrm>
+          <a:prstGeom prst="line">
+            <a:avLst/>
+          </a:prstGeom>
+          <a:noFill/>
+          <a:ln w="28575">
+            <a:solidFill>
+              <a:schemeClr val="tx1"/>
+            </a:solidFill>
+          </a:ln>
+        </p:spPr>
+        <p:style>
+          <a:lnRef idx="2">
+            <a:schemeClr val="accent1">
+              <a:shade val="50000"/>
+            </a:schemeClr>
+          </a:lnRef>
+          <a:fillRef idx="1">
+            <a:schemeClr val="accent1"/>
+          </a:fillRef>
+          <a:effectRef idx="0">
+            <a:schemeClr val="accent1"/>
+          </a:effectRef>
+          <a:fontRef idx="minor">
+            <a:schemeClr val="lt1"/>
+          </a:fontRef>
+        </p:style>
+      </p:cxnSp>
+      <p:cxnSp>
+        <p:nvCxnSpPr>
+          <p:cNvPr id="35" name="Connecteur droit 34"/>
+          <p:cNvCxnSpPr>
+            <a:stCxn id="21" idx="2"/>
+            <a:endCxn id="4" idx="6"/>
+          </p:cNvCxnSpPr>
+          <p:nvPr/>
+        </p:nvCxnSpPr>
+        <p:spPr>
+          <a:xfrm flipH="1">
+            <a:off x="1547664" y="1988840"/>
+            <a:ext cx="619713" cy="0"/>
+          </a:xfrm>
+          <a:prstGeom prst="line">
+            <a:avLst/>
+          </a:prstGeom>
+          <a:noFill/>
+          <a:ln w="28575">
+            <a:solidFill>
+              <a:schemeClr val="tx1"/>
+            </a:solidFill>
+          </a:ln>
+        </p:spPr>
+        <p:style>
+          <a:lnRef idx="2">
+            <a:schemeClr val="accent1">
+              <a:shade val="50000"/>
+            </a:schemeClr>
+          </a:lnRef>
+          <a:fillRef idx="1">
+            <a:schemeClr val="accent1"/>
+          </a:fillRef>
+          <a:effectRef idx="0">
+            <a:schemeClr val="accent1"/>
+          </a:effectRef>
+          <a:fontRef idx="minor">
+            <a:schemeClr val="lt1"/>
+          </a:fontRef>
+        </p:style>
+      </p:cxnSp>
+      <p:cxnSp>
+        <p:nvCxnSpPr>
+          <p:cNvPr id="39" name="Connecteur droit 38"/>
+          <p:cNvCxnSpPr>
+            <a:stCxn id="21" idx="4"/>
+            <a:endCxn id="20" idx="0"/>
+          </p:cNvCxnSpPr>
+          <p:nvPr/>
+        </p:nvCxnSpPr>
+        <p:spPr>
+          <a:xfrm>
+            <a:off x="2383401" y="2204864"/>
+            <a:ext cx="0" cy="432048"/>
+          </a:xfrm>
+          <a:prstGeom prst="line">
+            <a:avLst/>
+          </a:prstGeom>
+          <a:noFill/>
+          <a:ln w="28575">
+            <a:solidFill>
+              <a:schemeClr val="tx1"/>
+            </a:solidFill>
+          </a:ln>
+        </p:spPr>
+        <p:style>
+          <a:lnRef idx="2">
+            <a:schemeClr val="accent1">
+              <a:shade val="50000"/>
+            </a:schemeClr>
+          </a:lnRef>
+          <a:fillRef idx="1">
+            <a:schemeClr val="accent1"/>
+          </a:fillRef>
+          <a:effectRef idx="0">
+            <a:schemeClr val="accent1"/>
+          </a:effectRef>
+          <a:fontRef idx="minor">
+            <a:schemeClr val="lt1"/>
+          </a:fontRef>
+        </p:style>
+      </p:cxnSp>
+      <p:cxnSp>
+        <p:nvCxnSpPr>
+          <p:cNvPr id="42" name="Connecteur droit 41"/>
+          <p:cNvCxnSpPr>
+            <a:stCxn id="20" idx="2"/>
+            <a:endCxn id="19" idx="6"/>
+          </p:cNvCxnSpPr>
+          <p:nvPr/>
+        </p:nvCxnSpPr>
+        <p:spPr>
+          <a:xfrm flipH="1">
+            <a:off x="1547664" y="2852936"/>
+            <a:ext cx="619713" cy="0"/>
+          </a:xfrm>
+          <a:prstGeom prst="line">
+            <a:avLst/>
+          </a:prstGeom>
+          <a:noFill/>
+          <a:ln w="28575">
+            <a:solidFill>
+              <a:schemeClr val="tx1"/>
+            </a:solidFill>
+          </a:ln>
+        </p:spPr>
+        <p:style>
+          <a:lnRef idx="2">
+            <a:schemeClr val="accent1">
+              <a:shade val="50000"/>
+            </a:schemeClr>
+          </a:lnRef>
+          <a:fillRef idx="1">
+            <a:schemeClr val="accent1"/>
+          </a:fillRef>
+          <a:effectRef idx="0">
+            <a:schemeClr val="accent1"/>
+          </a:effectRef>
+          <a:fontRef idx="minor">
+            <a:schemeClr val="lt1"/>
+          </a:fontRef>
+        </p:style>
+      </p:cxnSp>
+      <mc:AlternateContent xmlns:mc="http://schemas.openxmlformats.org/markup-compatibility/2006" xmlns:a14="http://schemas.microsoft.com/office/drawing/2010/main">
+        <mc:Choice Requires="a14">
+          <p:sp>
+            <p:nvSpPr>
+              <p:cNvPr id="44" name="ZoneTexte 43"/>
+              <p:cNvSpPr txBox="1"/>
+              <p:nvPr/>
+            </p:nvSpPr>
+            <p:spPr>
+              <a:xfrm>
+                <a:off x="1291606" y="2204864"/>
+                <a:ext cx="697883" cy="461665"/>
+              </a:xfrm>
+              <a:prstGeom prst="rect">
+                <a:avLst/>
+              </a:prstGeom>
+              <a:noFill/>
+            </p:spPr>
+            <p:txBody>
+              <a:bodyPr wrap="none" rtlCol="0">
+                <a:spAutoFit/>
+              </a:bodyPr>
+              <a:lstStyle/>
+              <a:p>
+                <a:r>
+                  <a:rPr lang="fr-FR" sz="1200" dirty="0"/>
+                  <a:t>Pivot</a:t>
+                </a:r>
+                <a:endParaRPr lang="fr-FR" sz="1200" i="1" dirty="0">
+                  <a:latin typeface="Cambria Math"/>
+                </a:endParaRPr>
+              </a:p>
+              <a:p>
+                <a14:m>
+                  <m:oMath xmlns:m="http://schemas.openxmlformats.org/officeDocument/2006/math">
+                    <m:d>
+                      <m:dPr>
+                        <m:ctrlPr>
+                          <a:rPr lang="fr-FR" sz="1200" i="1" smtClean="0">
+                            <a:latin typeface="Cambria Math" panose="02040503050406030204" pitchFamily="18" charset="0"/>
+                          </a:rPr>
+                        </m:ctrlPr>
+                      </m:dPr>
+                      <m:e>
+                        <m:r>
+                          <a:rPr lang="fr-FR" sz="1200" b="0" i="1" smtClean="0">
+                            <a:latin typeface="Cambria Math"/>
+                          </a:rPr>
+                          <m:t>𝑂</m:t>
+                        </m:r>
+                        <m:r>
+                          <a:rPr lang="fr-FR" sz="1200" b="0" i="1" smtClean="0">
+                            <a:latin typeface="Cambria Math"/>
+                          </a:rPr>
+                          <m:t>,</m:t>
+                        </m:r>
+                        <m:sSub>
+                          <m:sSubPr>
+                            <m:ctrlPr>
+                              <a:rPr lang="fr-FR" sz="1200" b="0" i="1" smtClean="0">
+                                <a:latin typeface="Cambria Math" panose="02040503050406030204" pitchFamily="18" charset="0"/>
+                              </a:rPr>
+                            </m:ctrlPr>
+                          </m:sSubPr>
+                          <m:e>
+                            <m:acc>
+                              <m:accPr>
+                                <m:chr m:val="⃗"/>
+                                <m:ctrlPr>
+                                  <a:rPr lang="fr-FR" sz="1200" b="0" i="1" smtClean="0">
+                                    <a:latin typeface="Cambria Math" panose="02040503050406030204" pitchFamily="18" charset="0"/>
+                                  </a:rPr>
+                                </m:ctrlPr>
+                              </m:accPr>
+                              <m:e>
+                                <m:r>
+                                  <a:rPr lang="fr-FR" sz="1200" b="0" i="1" smtClean="0">
+                                    <a:latin typeface="Cambria Math"/>
+                                  </a:rPr>
+                                  <m:t>𝑧</m:t>
+                                </m:r>
+                              </m:e>
+                            </m:acc>
+                          </m:e>
+                          <m:sub>
+                            <m:r>
+                              <a:rPr lang="fr-FR" sz="1200" b="0" i="1" smtClean="0">
+                                <a:latin typeface="Cambria Math"/>
+                              </a:rPr>
+                              <m:t>𝑁</m:t>
+                            </m:r>
+                          </m:sub>
+                        </m:sSub>
+                      </m:e>
+                    </m:d>
+                  </m:oMath>
+                </a14:m>
+                <a:r>
+                  <a:rPr lang="fr-FR" sz="1200" dirty="0"/>
+                  <a:t> </a:t>
+                </a:r>
+              </a:p>
+            </p:txBody>
+          </p:sp>
+        </mc:Choice>
+        <mc:Fallback xmlns="">
+          <p:sp>
+            <p:nvSpPr>
+              <p:cNvPr id="44" name="ZoneTexte 43"/>
+              <p:cNvSpPr txBox="1">
+                <a:spLocks noRot="1" noChangeAspect="1" noMove="1" noResize="1" noEditPoints="1" noAdjustHandles="1" noChangeArrowheads="1" noChangeShapeType="1" noTextEdit="1"/>
+              </p:cNvSpPr>
+              <p:nvPr/>
+            </p:nvSpPr>
+            <p:spPr>
+              <a:xfrm>
+                <a:off x="1291606" y="2204864"/>
+                <a:ext cx="697883" cy="461665"/>
+              </a:xfrm>
+              <a:prstGeom prst="rect">
+                <a:avLst/>
+              </a:prstGeom>
+              <a:blipFill rotWithShape="1">
+                <a:blip r:embed="rId3"/>
+                <a:stretch>
+                  <a:fillRect l="-877"/>
+                </a:stretch>
+              </a:blipFill>
+            </p:spPr>
+            <p:txBody>
+              <a:bodyPr/>
+              <a:lstStyle/>
+              <a:p>
+                <a:r>
+                  <a:rPr lang="fr-FR">
+                    <a:noFill/>
+                  </a:rPr>
+                  <a:t> </a:t>
+                </a:r>
+              </a:p>
+            </p:txBody>
+          </p:sp>
+        </mc:Fallback>
+      </mc:AlternateContent>
+      <mc:AlternateContent xmlns:mc="http://schemas.openxmlformats.org/markup-compatibility/2006" xmlns:a14="http://schemas.microsoft.com/office/drawing/2010/main">
+        <mc:Choice Requires="a14">
+          <p:sp>
+            <p:nvSpPr>
+              <p:cNvPr id="46" name="ZoneTexte 45"/>
+              <p:cNvSpPr txBox="1"/>
+              <p:nvPr/>
+            </p:nvSpPr>
+            <p:spPr>
+              <a:xfrm>
+                <a:off x="2383401" y="2190054"/>
+                <a:ext cx="1004186" cy="461665"/>
+              </a:xfrm>
+              <a:prstGeom prst="rect">
+                <a:avLst/>
+              </a:prstGeom>
+              <a:noFill/>
+            </p:spPr>
+            <p:txBody>
+              <a:bodyPr wrap="none" rtlCol="0">
+                <a:spAutoFit/>
+              </a:bodyPr>
+              <a:lstStyle/>
+              <a:p>
+                <a:r>
+                  <a:rPr lang="fr-FR" sz="1200" dirty="0"/>
+                  <a:t>Pivot glissant</a:t>
+                </a:r>
+              </a:p>
+              <a:p>
+                <a:pPr/>
+                <a14:m>
+                  <m:oMathPara xmlns:m="http://schemas.openxmlformats.org/officeDocument/2006/math">
+                    <m:oMathParaPr>
+                      <m:jc m:val="centerGroup"/>
+                    </m:oMathParaPr>
+                    <m:oMath xmlns:m="http://schemas.openxmlformats.org/officeDocument/2006/math">
+                      <m:d>
+                        <m:dPr>
+                          <m:ctrlPr>
+                            <a:rPr lang="fr-FR" sz="1200" i="1" smtClean="0">
+                              <a:latin typeface="Cambria Math" panose="02040503050406030204" pitchFamily="18" charset="0"/>
+                            </a:rPr>
+                          </m:ctrlPr>
+                        </m:dPr>
+                        <m:e>
+                          <m:sSub>
+                            <m:sSubPr>
+                              <m:ctrlPr>
+                                <a:rPr lang="fr-FR" sz="1200" b="0" i="1" smtClean="0">
+                                  <a:latin typeface="Cambria Math" panose="02040503050406030204" pitchFamily="18" charset="0"/>
+                                </a:rPr>
+                              </m:ctrlPr>
+                            </m:sSubPr>
+                            <m:e>
+                              <m:r>
+                                <a:rPr lang="fr-FR" sz="1200" b="0" i="1" smtClean="0">
+                                  <a:latin typeface="Cambria Math"/>
+                                </a:rPr>
+                                <m:t>𝐴</m:t>
+                              </m:r>
+                            </m:e>
+                            <m:sub>
+                              <m:r>
+                                <a:rPr lang="fr-FR" sz="1200" b="0" i="1" smtClean="0">
+                                  <a:latin typeface="Cambria Math"/>
+                                </a:rPr>
+                                <m:t>3</m:t>
+                              </m:r>
+                            </m:sub>
+                          </m:sSub>
+                          <m:r>
+                            <a:rPr lang="fr-FR" sz="1200" b="0" i="1" smtClean="0">
+                              <a:latin typeface="Cambria Math"/>
+                            </a:rPr>
+                            <m:t>,</m:t>
+                          </m:r>
+                          <m:sSub>
+                            <m:sSubPr>
+                              <m:ctrlPr>
+                                <a:rPr lang="fr-FR" sz="1200" b="0" i="1" smtClean="0">
+                                  <a:latin typeface="Cambria Math" panose="02040503050406030204" pitchFamily="18" charset="0"/>
+                                </a:rPr>
+                              </m:ctrlPr>
+                            </m:sSubPr>
+                            <m:e>
+                              <m:acc>
+                                <m:accPr>
+                                  <m:chr m:val="⃗"/>
+                                  <m:ctrlPr>
+                                    <a:rPr lang="fr-FR" sz="1200" b="0" i="1" smtClean="0">
+                                      <a:latin typeface="Cambria Math" panose="02040503050406030204" pitchFamily="18" charset="0"/>
+                                    </a:rPr>
+                                  </m:ctrlPr>
+                                </m:accPr>
+                                <m:e>
+                                  <m:r>
+                                    <a:rPr lang="fr-FR" sz="1200" b="0" i="1" smtClean="0">
+                                      <a:latin typeface="Cambria Math"/>
+                                    </a:rPr>
+                                    <m:t>𝑥</m:t>
+                                  </m:r>
+                                </m:e>
+                              </m:acc>
+                            </m:e>
+                            <m:sub>
+                              <m:r>
+                                <a:rPr lang="fr-FR" sz="1200" b="0" i="1" smtClean="0">
+                                  <a:latin typeface="Cambria Math"/>
+                                </a:rPr>
+                                <m:t>3</m:t>
+                              </m:r>
+                            </m:sub>
+                          </m:sSub>
+                        </m:e>
+                      </m:d>
+                    </m:oMath>
+                  </m:oMathPara>
+                </a14:m>
+                <a:endParaRPr lang="fr-FR" sz="1200" dirty="0"/>
+              </a:p>
+            </p:txBody>
+          </p:sp>
+        </mc:Choice>
+        <mc:Fallback xmlns="">
+          <p:sp>
+            <p:nvSpPr>
+              <p:cNvPr id="46" name="ZoneTexte 45"/>
+              <p:cNvSpPr txBox="1">
+                <a:spLocks noRot="1" noChangeAspect="1" noMove="1" noResize="1" noEditPoints="1" noAdjustHandles="1" noChangeArrowheads="1" noChangeShapeType="1" noTextEdit="1"/>
+              </p:cNvSpPr>
+              <p:nvPr/>
+            </p:nvSpPr>
+            <p:spPr>
+              <a:xfrm>
+                <a:off x="2383401" y="2190054"/>
+                <a:ext cx="1004186" cy="461665"/>
+              </a:xfrm>
+              <a:prstGeom prst="rect">
+                <a:avLst/>
+              </a:prstGeom>
+              <a:blipFill rotWithShape="1">
+                <a:blip r:embed="rId4"/>
+                <a:stretch>
+                  <a:fillRect l="-606"/>
+                </a:stretch>
+              </a:blipFill>
+            </p:spPr>
+            <p:txBody>
+              <a:bodyPr/>
+              <a:lstStyle/>
+              <a:p>
+                <a:r>
+                  <a:rPr lang="fr-FR">
+                    <a:noFill/>
+                  </a:rPr>
+                  <a:t> </a:t>
+                </a:r>
+              </a:p>
+            </p:txBody>
+          </p:sp>
+        </mc:Fallback>
+      </mc:AlternateContent>
+      <mc:AlternateContent xmlns:mc="http://schemas.openxmlformats.org/markup-compatibility/2006" xmlns:a14="http://schemas.microsoft.com/office/drawing/2010/main">
+        <mc:Choice Requires="a14">
+          <p:sp>
+            <p:nvSpPr>
+              <p:cNvPr id="47" name="ZoneTexte 46"/>
+              <p:cNvSpPr txBox="1"/>
+              <p:nvPr/>
+            </p:nvSpPr>
+            <p:spPr>
+              <a:xfrm>
+                <a:off x="-760171" y="2190055"/>
+                <a:ext cx="1004186" cy="461665"/>
+              </a:xfrm>
+              <a:prstGeom prst="rect">
+                <a:avLst/>
+              </a:prstGeom>
+              <a:noFill/>
+            </p:spPr>
+            <p:txBody>
+              <a:bodyPr wrap="none" rtlCol="0">
+                <a:spAutoFit/>
+              </a:bodyPr>
+              <a:lstStyle/>
+              <a:p>
+                <a:r>
+                  <a:rPr lang="fr-FR" sz="1200" dirty="0"/>
+                  <a:t>Pivot glissant</a:t>
+                </a:r>
+              </a:p>
+              <a:p>
+                <a:pPr/>
+                <a14:m>
+                  <m:oMathPara xmlns:m="http://schemas.openxmlformats.org/officeDocument/2006/math">
+                    <m:oMathParaPr>
+                      <m:jc m:val="centerGroup"/>
+                    </m:oMathParaPr>
+                    <m:oMath xmlns:m="http://schemas.openxmlformats.org/officeDocument/2006/math">
+                      <m:d>
+                        <m:dPr>
+                          <m:ctrlPr>
+                            <a:rPr lang="fr-FR" sz="1200" i="1" smtClean="0">
+                              <a:latin typeface="Cambria Math" panose="02040503050406030204" pitchFamily="18" charset="0"/>
+                            </a:rPr>
+                          </m:ctrlPr>
+                        </m:dPr>
+                        <m:e>
+                          <m:sSub>
+                            <m:sSubPr>
+                              <m:ctrlPr>
+                                <a:rPr lang="fr-FR" sz="1200" b="0" i="1" smtClean="0">
+                                  <a:latin typeface="Cambria Math" panose="02040503050406030204" pitchFamily="18" charset="0"/>
+                                </a:rPr>
+                              </m:ctrlPr>
+                            </m:sSubPr>
+                            <m:e>
+                              <m:r>
+                                <a:rPr lang="fr-FR" sz="1200" b="0" i="1" smtClean="0">
+                                  <a:latin typeface="Cambria Math"/>
+                                </a:rPr>
+                                <m:t>𝐴</m:t>
+                              </m:r>
+                            </m:e>
+                            <m:sub>
+                              <m:r>
+                                <a:rPr lang="fr-FR" sz="1200" b="0" i="1" smtClean="0">
+                                  <a:latin typeface="Cambria Math"/>
+                                </a:rPr>
+                                <m:t>2</m:t>
+                              </m:r>
+                            </m:sub>
+                          </m:sSub>
+                          <m:r>
+                            <a:rPr lang="fr-FR" sz="1200" b="0" i="1" smtClean="0">
+                              <a:latin typeface="Cambria Math"/>
+                            </a:rPr>
+                            <m:t>,</m:t>
+                          </m:r>
+                          <m:sSub>
+                            <m:sSubPr>
+                              <m:ctrlPr>
+                                <a:rPr lang="fr-FR" sz="1200" b="0" i="1" smtClean="0">
+                                  <a:latin typeface="Cambria Math" panose="02040503050406030204" pitchFamily="18" charset="0"/>
+                                </a:rPr>
+                              </m:ctrlPr>
+                            </m:sSubPr>
+                            <m:e>
+                              <m:acc>
+                                <m:accPr>
+                                  <m:chr m:val="⃗"/>
+                                  <m:ctrlPr>
+                                    <a:rPr lang="fr-FR" sz="1200" b="0" i="1" smtClean="0">
+                                      <a:latin typeface="Cambria Math" panose="02040503050406030204" pitchFamily="18" charset="0"/>
+                                    </a:rPr>
+                                  </m:ctrlPr>
+                                </m:accPr>
+                                <m:e>
+                                  <m:r>
+                                    <a:rPr lang="fr-FR" sz="1200" b="0" i="1" smtClean="0">
+                                      <a:latin typeface="Cambria Math"/>
+                                    </a:rPr>
+                                    <m:t>𝑥</m:t>
+                                  </m:r>
+                                </m:e>
+                              </m:acc>
+                            </m:e>
+                            <m:sub>
+                              <m:r>
+                                <a:rPr lang="fr-FR" sz="1200" b="0" i="1" smtClean="0">
+                                  <a:latin typeface="Cambria Math"/>
+                                </a:rPr>
+                                <m:t>2</m:t>
+                              </m:r>
+                            </m:sub>
+                          </m:sSub>
+                        </m:e>
+                      </m:d>
+                    </m:oMath>
+                  </m:oMathPara>
+                </a14:m>
+                <a:endParaRPr lang="fr-FR" sz="1200" dirty="0"/>
+              </a:p>
+            </p:txBody>
+          </p:sp>
+        </mc:Choice>
+        <mc:Fallback xmlns="">
+          <p:sp>
+            <p:nvSpPr>
+              <p:cNvPr id="47" name="ZoneTexte 46"/>
+              <p:cNvSpPr txBox="1">
+                <a:spLocks noRot="1" noChangeAspect="1" noMove="1" noResize="1" noEditPoints="1" noAdjustHandles="1" noChangeArrowheads="1" noChangeShapeType="1" noTextEdit="1"/>
+              </p:cNvSpPr>
+              <p:nvPr/>
+            </p:nvSpPr>
+            <p:spPr>
+              <a:xfrm>
+                <a:off x="-760171" y="2190055"/>
+                <a:ext cx="1004186" cy="461665"/>
+              </a:xfrm>
+              <a:prstGeom prst="rect">
+                <a:avLst/>
+              </a:prstGeom>
+              <a:blipFill rotWithShape="1">
+                <a:blip r:embed="rId5"/>
+                <a:stretch>
+                  <a:fillRect/>
+                </a:stretch>
+              </a:blipFill>
+            </p:spPr>
+            <p:txBody>
+              <a:bodyPr/>
+              <a:lstStyle/>
+              <a:p>
+                <a:r>
+                  <a:rPr lang="fr-FR">
+                    <a:noFill/>
+                  </a:rPr>
+                  <a:t> </a:t>
+                </a:r>
+              </a:p>
+            </p:txBody>
+          </p:sp>
+        </mc:Fallback>
+      </mc:AlternateContent>
+      <mc:AlternateContent xmlns:mc="http://schemas.openxmlformats.org/markup-compatibility/2006" xmlns:a14="http://schemas.microsoft.com/office/drawing/2010/main">
+        <mc:Choice Requires="a14">
+          <p:sp>
+            <p:nvSpPr>
+              <p:cNvPr id="48" name="ZoneTexte 47"/>
+              <p:cNvSpPr txBox="1"/>
+              <p:nvPr/>
+            </p:nvSpPr>
+            <p:spPr>
+              <a:xfrm rot="16200000">
+                <a:off x="312217" y="1382355"/>
+                <a:ext cx="951222" cy="276999"/>
+              </a:xfrm>
+              <a:prstGeom prst="rect">
+                <a:avLst/>
+              </a:prstGeom>
+              <a:noFill/>
+            </p:spPr>
+            <p:txBody>
+              <a:bodyPr wrap="none" rtlCol="0">
+                <a:spAutoFit/>
+              </a:bodyPr>
+              <a:lstStyle/>
+              <a:p>
+                <a:r>
+                  <a:rPr lang="fr-FR" sz="1200" dirty="0"/>
+                  <a:t>Sphérique </a:t>
+                </a:r>
+                <a14:m>
+                  <m:oMath xmlns:m="http://schemas.openxmlformats.org/officeDocument/2006/math">
+                    <m:r>
+                      <a:rPr lang="fr-FR" sz="1200" i="1">
+                        <a:latin typeface="Cambria Math"/>
+                      </a:rPr>
+                      <m:t>𝐶</m:t>
+                    </m:r>
+                  </m:oMath>
+                </a14:m>
+                <a:endParaRPr lang="fr-FR" sz="1200" i="1" dirty="0"/>
+              </a:p>
+            </p:txBody>
+          </p:sp>
+        </mc:Choice>
+        <mc:Fallback xmlns="">
+          <p:sp>
+            <p:nvSpPr>
+              <p:cNvPr id="48" name="ZoneTexte 47"/>
+              <p:cNvSpPr txBox="1">
+                <a:spLocks noRot="1" noChangeAspect="1" noMove="1" noResize="1" noEditPoints="1" noAdjustHandles="1" noChangeArrowheads="1" noChangeShapeType="1" noTextEdit="1"/>
+              </p:cNvSpPr>
+              <p:nvPr/>
+            </p:nvSpPr>
+            <p:spPr>
+              <a:xfrm rot="16200000">
+                <a:off x="312217" y="1382355"/>
+                <a:ext cx="951222" cy="276999"/>
+              </a:xfrm>
+              <a:prstGeom prst="rect">
+                <a:avLst/>
+              </a:prstGeom>
+              <a:blipFill rotWithShape="1">
+                <a:blip r:embed="rId6"/>
+                <a:stretch>
+                  <a:fillRect r="-17778"/>
+                </a:stretch>
+              </a:blipFill>
+            </p:spPr>
+            <p:txBody>
+              <a:bodyPr/>
+              <a:lstStyle/>
+              <a:p>
+                <a:r>
+                  <a:rPr lang="fr-FR">
+                    <a:noFill/>
+                  </a:rPr>
+                  <a:t> </a:t>
+                </a:r>
+              </a:p>
+            </p:txBody>
+          </p:sp>
+        </mc:Fallback>
+      </mc:AlternateContent>
+      <mc:AlternateContent xmlns:mc="http://schemas.openxmlformats.org/markup-compatibility/2006" xmlns:a14="http://schemas.microsoft.com/office/drawing/2010/main">
+        <mc:Choice Requires="a14">
+          <p:sp>
+            <p:nvSpPr>
+              <p:cNvPr id="49" name="ZoneTexte 48"/>
+              <p:cNvSpPr txBox="1"/>
+              <p:nvPr/>
+            </p:nvSpPr>
+            <p:spPr>
+              <a:xfrm rot="16200000">
+                <a:off x="1378414" y="1382355"/>
+                <a:ext cx="958211" cy="276999"/>
+              </a:xfrm>
+              <a:prstGeom prst="rect">
+                <a:avLst/>
+              </a:prstGeom>
+              <a:noFill/>
+            </p:spPr>
+            <p:txBody>
+              <a:bodyPr wrap="none" rtlCol="0">
+                <a:spAutoFit/>
+              </a:bodyPr>
+              <a:lstStyle/>
+              <a:p>
+                <a:r>
+                  <a:rPr lang="fr-FR" sz="1200" dirty="0"/>
+                  <a:t>Sphérique </a:t>
+                </a:r>
+                <a14:m>
+                  <m:oMath xmlns:m="http://schemas.openxmlformats.org/officeDocument/2006/math">
+                    <m:r>
+                      <a:rPr lang="fr-FR" sz="1200" b="0" i="1" smtClean="0">
+                        <a:latin typeface="Cambria Math"/>
+                      </a:rPr>
+                      <m:t>𝐵</m:t>
+                    </m:r>
+                  </m:oMath>
+                </a14:m>
+                <a:endParaRPr lang="fr-FR" sz="1200" i="1" dirty="0"/>
+              </a:p>
+            </p:txBody>
+          </p:sp>
+        </mc:Choice>
+        <mc:Fallback xmlns="">
+          <p:sp>
+            <p:nvSpPr>
+              <p:cNvPr id="49" name="ZoneTexte 48"/>
+              <p:cNvSpPr txBox="1">
+                <a:spLocks noRot="1" noChangeAspect="1" noMove="1" noResize="1" noEditPoints="1" noAdjustHandles="1" noChangeArrowheads="1" noChangeShapeType="1" noTextEdit="1"/>
+              </p:cNvSpPr>
+              <p:nvPr/>
+            </p:nvSpPr>
+            <p:spPr>
+              <a:xfrm rot="16200000">
+                <a:off x="1378414" y="1382355"/>
+                <a:ext cx="958211" cy="276999"/>
+              </a:xfrm>
+              <a:prstGeom prst="rect">
+                <a:avLst/>
+              </a:prstGeom>
+              <a:blipFill rotWithShape="1">
+                <a:blip r:embed="rId7"/>
+                <a:stretch>
+                  <a:fillRect r="-17778" b="-637"/>
+                </a:stretch>
+              </a:blipFill>
+            </p:spPr>
+            <p:txBody>
+              <a:bodyPr/>
+              <a:lstStyle/>
+              <a:p>
+                <a:r>
+                  <a:rPr lang="fr-FR">
+                    <a:noFill/>
+                  </a:rPr>
+                  <a:t> </a:t>
+                </a:r>
+              </a:p>
+            </p:txBody>
+          </p:sp>
+        </mc:Fallback>
+      </mc:AlternateContent>
+      <p:sp>
+        <p:nvSpPr>
+          <p:cNvPr id="17" name="Ellipse 16"/>
+          <p:cNvSpPr/>
+          <p:nvPr/>
+        </p:nvSpPr>
+        <p:spPr>
+          <a:xfrm>
+            <a:off x="27991" y="1772816"/>
+            <a:ext cx="432048" cy="432048"/>
+          </a:xfrm>
+          <a:prstGeom prst="ellipse">
+            <a:avLst/>
+          </a:prstGeom>
+          <a:solidFill>
+            <a:schemeClr val="accent4">
+              <a:lumMod val="20000"/>
+              <a:lumOff val="80000"/>
+            </a:schemeClr>
+          </a:solidFill>
+          <a:ln w="28575">
+            <a:solidFill>
+              <a:schemeClr val="accent4"/>
+            </a:solidFill>
+          </a:ln>
+        </p:spPr>
+        <p:style>
+          <a:lnRef idx="2">
+            <a:schemeClr val="accent1">
+              <a:shade val="50000"/>
+            </a:schemeClr>
+          </a:lnRef>
+          <a:fillRef idx="1">
+            <a:schemeClr val="accent1"/>
+          </a:fillRef>
+          <a:effectRef idx="0">
+            <a:schemeClr val="accent1"/>
+          </a:effectRef>
+          <a:fontRef idx="minor">
+            <a:schemeClr val="lt1"/>
+          </a:fontRef>
+        </p:style>
+        <p:txBody>
+          <a:bodyPr lIns="0" tIns="0" rIns="0" bIns="0" rtlCol="0" anchor="ctr"/>
+          <a:lstStyle/>
+          <a:p>
+            <a:pPr algn="ctr"/>
+            <a:r>
+              <a:rPr lang="fr-FR" b="1" dirty="0">
+                <a:solidFill>
+                  <a:schemeClr val="accent4"/>
+                </a:solidFill>
+              </a:rPr>
+              <a:t>4</a:t>
+            </a:r>
+          </a:p>
+        </p:txBody>
+      </p:sp>
+      <p:sp>
+        <p:nvSpPr>
+          <p:cNvPr id="18" name="Ellipse 17"/>
+          <p:cNvSpPr/>
+          <p:nvPr/>
+        </p:nvSpPr>
+        <p:spPr>
+          <a:xfrm>
+            <a:off x="27991" y="2636912"/>
+            <a:ext cx="432048" cy="432048"/>
+          </a:xfrm>
+          <a:prstGeom prst="ellipse">
+            <a:avLst/>
+          </a:prstGeom>
+          <a:solidFill>
+            <a:srgbClr val="FFD1D1"/>
+          </a:solidFill>
+          <a:ln w="28575">
+            <a:solidFill>
+              <a:srgbClr val="FF0000"/>
+            </a:solidFill>
+          </a:ln>
+        </p:spPr>
+        <p:style>
+          <a:lnRef idx="2">
+            <a:schemeClr val="accent1">
+              <a:shade val="50000"/>
+            </a:schemeClr>
+          </a:lnRef>
+          <a:fillRef idx="1">
+            <a:schemeClr val="accent1"/>
+          </a:fillRef>
+          <a:effectRef idx="0">
+            <a:schemeClr val="accent1"/>
+          </a:effectRef>
+          <a:fontRef idx="minor">
+            <a:schemeClr val="lt1"/>
+          </a:fontRef>
+        </p:style>
+        <p:txBody>
+          <a:bodyPr lIns="0" tIns="0" rIns="0" bIns="0" rtlCol="0" anchor="ctr"/>
+          <a:lstStyle/>
+          <a:p>
+            <a:pPr algn="ctr"/>
+            <a:r>
+              <a:rPr lang="fr-FR" b="1" dirty="0">
+                <a:solidFill>
+                  <a:srgbClr val="FF0000"/>
+                </a:solidFill>
+              </a:rPr>
+              <a:t>2</a:t>
+            </a:r>
+          </a:p>
+        </p:txBody>
+      </p:sp>
+      <p:sp>
+        <p:nvSpPr>
+          <p:cNvPr id="19" name="Ellipse 18"/>
+          <p:cNvSpPr/>
+          <p:nvPr/>
+        </p:nvSpPr>
+        <p:spPr>
+          <a:xfrm>
+            <a:off x="1115616" y="2636912"/>
+            <a:ext cx="432048" cy="432048"/>
+          </a:xfrm>
+          <a:prstGeom prst="ellipse">
+            <a:avLst/>
+          </a:prstGeom>
+          <a:solidFill>
+            <a:schemeClr val="tx2">
+              <a:lumMod val="20000"/>
+              <a:lumOff val="80000"/>
+            </a:schemeClr>
+          </a:solidFill>
+          <a:ln w="28575">
+            <a:solidFill>
+              <a:schemeClr val="tx2"/>
+            </a:solidFill>
+          </a:ln>
+        </p:spPr>
+        <p:style>
+          <a:lnRef idx="2">
+            <a:schemeClr val="accent1">
+              <a:shade val="50000"/>
+            </a:schemeClr>
+          </a:lnRef>
+          <a:fillRef idx="1">
+            <a:schemeClr val="accent1"/>
+          </a:fillRef>
+          <a:effectRef idx="0">
+            <a:schemeClr val="accent1"/>
+          </a:effectRef>
+          <a:fontRef idx="minor">
+            <a:schemeClr val="lt1"/>
+          </a:fontRef>
+        </p:style>
+        <p:txBody>
+          <a:bodyPr lIns="0" tIns="0" rIns="0" bIns="0" rtlCol="0" anchor="ctr"/>
+          <a:lstStyle/>
+          <a:p>
+            <a:pPr algn="ctr"/>
+            <a:r>
+              <a:rPr lang="fr-FR" b="1" dirty="0">
+                <a:solidFill>
+                  <a:schemeClr val="tx2"/>
+                </a:solidFill>
+              </a:rPr>
+              <a:t>1</a:t>
+            </a:r>
+          </a:p>
+        </p:txBody>
+      </p:sp>
+      <p:sp>
+        <p:nvSpPr>
+          <p:cNvPr id="20" name="Ellipse 19"/>
+          <p:cNvSpPr/>
+          <p:nvPr/>
+        </p:nvSpPr>
+        <p:spPr>
+          <a:xfrm>
+            <a:off x="2167377" y="2636912"/>
+            <a:ext cx="432048" cy="432048"/>
+          </a:xfrm>
+          <a:prstGeom prst="ellipse">
+            <a:avLst/>
+          </a:prstGeom>
+          <a:solidFill>
+            <a:srgbClr val="A3FFCD"/>
+          </a:solidFill>
+          <a:ln w="28575">
+            <a:solidFill>
+              <a:srgbClr val="00B050"/>
+            </a:solidFill>
+          </a:ln>
+        </p:spPr>
+        <p:style>
+          <a:lnRef idx="2">
+            <a:schemeClr val="accent1">
+              <a:shade val="50000"/>
+            </a:schemeClr>
+          </a:lnRef>
+          <a:fillRef idx="1">
+            <a:schemeClr val="accent1"/>
+          </a:fillRef>
+          <a:effectRef idx="0">
+            <a:schemeClr val="accent1"/>
+          </a:effectRef>
+          <a:fontRef idx="minor">
+            <a:schemeClr val="lt1"/>
+          </a:fontRef>
+        </p:style>
+        <p:txBody>
+          <a:bodyPr lIns="0" tIns="0" rIns="0" bIns="0" rtlCol="0" anchor="ctr"/>
+          <a:lstStyle/>
+          <a:p>
+            <a:pPr algn="ctr"/>
+            <a:r>
+              <a:rPr lang="fr-FR" b="1" dirty="0">
+                <a:solidFill>
+                  <a:srgbClr val="00B050"/>
+                </a:solidFill>
+              </a:rPr>
+              <a:t>3</a:t>
+            </a:r>
+          </a:p>
+        </p:txBody>
+      </p:sp>
+      <p:sp>
+        <p:nvSpPr>
+          <p:cNvPr id="21" name="Ellipse 20"/>
+          <p:cNvSpPr/>
+          <p:nvPr/>
+        </p:nvSpPr>
+        <p:spPr>
+          <a:xfrm>
+            <a:off x="2167377" y="1772816"/>
+            <a:ext cx="432048" cy="432048"/>
+          </a:xfrm>
+          <a:prstGeom prst="ellipse">
+            <a:avLst/>
+          </a:prstGeom>
+          <a:solidFill>
+            <a:schemeClr val="bg2">
+              <a:lumMod val="90000"/>
+            </a:schemeClr>
+          </a:solidFill>
+          <a:ln w="28575">
+            <a:solidFill>
+              <a:schemeClr val="bg2">
+                <a:lumMod val="25000"/>
+              </a:schemeClr>
+            </a:solidFill>
+          </a:ln>
+        </p:spPr>
+        <p:style>
+          <a:lnRef idx="2">
+            <a:schemeClr val="accent1">
+              <a:shade val="50000"/>
+            </a:schemeClr>
+          </a:lnRef>
+          <a:fillRef idx="1">
+            <a:schemeClr val="accent1"/>
+          </a:fillRef>
+          <a:effectRef idx="0">
+            <a:schemeClr val="accent1"/>
+          </a:effectRef>
+          <a:fontRef idx="minor">
+            <a:schemeClr val="lt1"/>
+          </a:fontRef>
+        </p:style>
+        <p:txBody>
+          <a:bodyPr lIns="0" tIns="0" rIns="0" bIns="0" rtlCol="0" anchor="ctr"/>
+          <a:lstStyle/>
+          <a:p>
+            <a:pPr algn="ctr"/>
+            <a:r>
+              <a:rPr lang="fr-FR" b="1" dirty="0">
+                <a:solidFill>
+                  <a:schemeClr val="bg2">
+                    <a:lumMod val="25000"/>
+                  </a:schemeClr>
+                </a:solidFill>
+              </a:rPr>
+              <a:t>5</a:t>
+            </a:r>
+          </a:p>
+        </p:txBody>
+      </p:sp>
+      <mc:AlternateContent xmlns:mc="http://schemas.openxmlformats.org/markup-compatibility/2006" xmlns:a14="http://schemas.microsoft.com/office/drawing/2010/main">
+        <mc:Choice Requires="a14">
+          <p:sp>
+            <p:nvSpPr>
+              <p:cNvPr id="50" name="ZoneTexte 49"/>
+              <p:cNvSpPr txBox="1"/>
+              <p:nvPr/>
+            </p:nvSpPr>
+            <p:spPr>
+              <a:xfrm rot="16200000">
+                <a:off x="275604" y="3193542"/>
+                <a:ext cx="1024448" cy="276999"/>
+              </a:xfrm>
+              <a:prstGeom prst="rect">
+                <a:avLst/>
+              </a:prstGeom>
+              <a:noFill/>
+            </p:spPr>
+            <p:txBody>
+              <a:bodyPr wrap="none" rtlCol="0">
+                <a:spAutoFit/>
+              </a:bodyPr>
+              <a:lstStyle/>
+              <a:p>
+                <a:r>
+                  <a:rPr lang="fr-FR" sz="1200" dirty="0"/>
+                  <a:t>Sphérique </a:t>
+                </a:r>
+                <a14:m>
+                  <m:oMath xmlns:m="http://schemas.openxmlformats.org/officeDocument/2006/math">
+                    <m:sSub>
+                      <m:sSubPr>
+                        <m:ctrlPr>
+                          <a:rPr lang="fr-FR" sz="1200" b="0" i="1" smtClean="0">
+                            <a:latin typeface="Cambria Math" panose="02040503050406030204" pitchFamily="18" charset="0"/>
+                          </a:rPr>
+                        </m:ctrlPr>
+                      </m:sSubPr>
+                      <m:e>
+                        <m:r>
+                          <a:rPr lang="fr-FR" sz="1200" b="0" i="1" smtClean="0">
+                            <a:latin typeface="Cambria Math"/>
+                          </a:rPr>
+                          <m:t>𝐴</m:t>
+                        </m:r>
+                      </m:e>
+                      <m:sub>
+                        <m:r>
+                          <a:rPr lang="fr-FR" sz="1200" b="0" i="1" smtClean="0">
+                            <a:latin typeface="Cambria Math"/>
+                          </a:rPr>
+                          <m:t>2</m:t>
+                        </m:r>
+                      </m:sub>
+                    </m:sSub>
+                  </m:oMath>
+                </a14:m>
+                <a:endParaRPr lang="fr-FR" sz="1200" i="1" dirty="0"/>
+              </a:p>
+            </p:txBody>
+          </p:sp>
+        </mc:Choice>
+        <mc:Fallback xmlns="">
+          <p:sp>
+            <p:nvSpPr>
+              <p:cNvPr id="50" name="ZoneTexte 49"/>
+              <p:cNvSpPr txBox="1">
+                <a:spLocks noRot="1" noChangeAspect="1" noMove="1" noResize="1" noEditPoints="1" noAdjustHandles="1" noChangeArrowheads="1" noChangeShapeType="1" noTextEdit="1"/>
+              </p:cNvSpPr>
+              <p:nvPr/>
+            </p:nvSpPr>
+            <p:spPr>
+              <a:xfrm rot="16200000">
+                <a:off x="275604" y="3193542"/>
+                <a:ext cx="1024448" cy="276999"/>
+              </a:xfrm>
+              <a:prstGeom prst="rect">
+                <a:avLst/>
+              </a:prstGeom>
+              <a:blipFill rotWithShape="1">
+                <a:blip r:embed="rId8"/>
+                <a:stretch>
+                  <a:fillRect r="-17778"/>
+                </a:stretch>
+              </a:blipFill>
+            </p:spPr>
+            <p:txBody>
+              <a:bodyPr/>
+              <a:lstStyle/>
+              <a:p>
+                <a:r>
+                  <a:rPr lang="fr-FR">
+                    <a:noFill/>
+                  </a:rPr>
+                  <a:t> </a:t>
+                </a:r>
+              </a:p>
+            </p:txBody>
+          </p:sp>
+        </mc:Fallback>
+      </mc:AlternateContent>
+      <mc:AlternateContent xmlns:mc="http://schemas.openxmlformats.org/markup-compatibility/2006" xmlns:a14="http://schemas.microsoft.com/office/drawing/2010/main">
+        <mc:Choice Requires="a14">
+          <p:sp>
+            <p:nvSpPr>
+              <p:cNvPr id="51" name="ZoneTexte 50"/>
+              <p:cNvSpPr txBox="1"/>
+              <p:nvPr/>
+            </p:nvSpPr>
+            <p:spPr>
+              <a:xfrm rot="16200000">
+                <a:off x="1346001" y="3193542"/>
+                <a:ext cx="1023037" cy="276999"/>
+              </a:xfrm>
+              <a:prstGeom prst="rect">
+                <a:avLst/>
+              </a:prstGeom>
+              <a:noFill/>
+            </p:spPr>
+            <p:txBody>
+              <a:bodyPr wrap="none" rtlCol="0">
+                <a:spAutoFit/>
+              </a:bodyPr>
+              <a:lstStyle/>
+              <a:p>
+                <a:r>
+                  <a:rPr lang="fr-FR" sz="1200" dirty="0"/>
+                  <a:t>Sphérique </a:t>
+                </a:r>
+                <a14:m>
+                  <m:oMath xmlns:m="http://schemas.openxmlformats.org/officeDocument/2006/math">
+                    <m:sSub>
+                      <m:sSubPr>
+                        <m:ctrlPr>
+                          <a:rPr lang="fr-FR" sz="1200" b="0" i="1" smtClean="0">
+                            <a:latin typeface="Cambria Math" panose="02040503050406030204" pitchFamily="18" charset="0"/>
+                          </a:rPr>
+                        </m:ctrlPr>
+                      </m:sSubPr>
+                      <m:e>
+                        <m:r>
+                          <a:rPr lang="fr-FR" sz="1200" b="0" i="1" smtClean="0">
+                            <a:latin typeface="Cambria Math"/>
+                          </a:rPr>
+                          <m:t>𝐴</m:t>
+                        </m:r>
+                      </m:e>
+                      <m:sub>
+                        <m:r>
+                          <a:rPr lang="fr-FR" sz="1200" b="0" i="1" smtClean="0">
+                            <a:latin typeface="Cambria Math"/>
+                          </a:rPr>
+                          <m:t>3</m:t>
+                        </m:r>
+                      </m:sub>
+                    </m:sSub>
+                  </m:oMath>
+                </a14:m>
+                <a:endParaRPr lang="fr-FR" sz="1200" i="1" dirty="0"/>
+              </a:p>
+            </p:txBody>
+          </p:sp>
+        </mc:Choice>
+        <mc:Fallback xmlns="">
+          <p:sp>
+            <p:nvSpPr>
+              <p:cNvPr id="51" name="ZoneTexte 50"/>
+              <p:cNvSpPr txBox="1">
+                <a:spLocks noRot="1" noChangeAspect="1" noMove="1" noResize="1" noEditPoints="1" noAdjustHandles="1" noChangeArrowheads="1" noChangeShapeType="1" noTextEdit="1"/>
+              </p:cNvSpPr>
+              <p:nvPr/>
+            </p:nvSpPr>
+            <p:spPr>
+              <a:xfrm rot="16200000">
+                <a:off x="1346001" y="3193542"/>
+                <a:ext cx="1023037" cy="276999"/>
+              </a:xfrm>
+              <a:prstGeom prst="rect">
+                <a:avLst/>
+              </a:prstGeom>
+              <a:blipFill rotWithShape="1">
+                <a:blip r:embed="rId9"/>
+                <a:stretch>
+                  <a:fillRect r="-17778"/>
+                </a:stretch>
+              </a:blipFill>
+            </p:spPr>
+            <p:txBody>
+              <a:bodyPr/>
+              <a:lstStyle/>
+              <a:p>
+                <a:r>
+                  <a:rPr lang="fr-FR">
+                    <a:noFill/>
+                  </a:rPr>
+                  <a:t> </a:t>
+                </a:r>
+              </a:p>
+            </p:txBody>
+          </p:sp>
+        </mc:Fallback>
+      </mc:AlternateContent>
+      <p:sp>
+        <p:nvSpPr>
+          <p:cNvPr id="53" name="Arc 52"/>
+          <p:cNvSpPr/>
+          <p:nvPr/>
+        </p:nvSpPr>
+        <p:spPr>
+          <a:xfrm>
+            <a:off x="74159" y="1996791"/>
+            <a:ext cx="511561" cy="842026"/>
+          </a:xfrm>
+          <a:prstGeom prst="arc">
+            <a:avLst>
+              <a:gd name="adj1" fmla="val 17428693"/>
+              <a:gd name="adj2" fmla="val 4205247"/>
+            </a:avLst>
+          </a:prstGeom>
+          <a:ln w="38100">
+            <a:solidFill>
+              <a:srgbClr val="FF0000"/>
+            </a:solidFill>
+            <a:headEnd type="stealth" w="med" len="lg"/>
+            <a:tailEnd type="stealth" w="med" len="lg"/>
+          </a:ln>
+        </p:spPr>
+        <p:style>
+          <a:lnRef idx="1">
+            <a:schemeClr val="accent1"/>
+          </a:lnRef>
+          <a:fillRef idx="0">
+            <a:schemeClr val="accent1"/>
+          </a:fillRef>
+          <a:effectRef idx="0">
+            <a:schemeClr val="accent1"/>
+          </a:effectRef>
+          <a:fontRef idx="minor">
+            <a:schemeClr val="tx1"/>
+          </a:fontRef>
+        </p:style>
+        <p:txBody>
+          <a:bodyPr rtlCol="0" anchor="ctr"/>
+          <a:lstStyle/>
+          <a:p>
+            <a:pPr algn="ctr"/>
+            <a:endParaRPr lang="fr-FR"/>
+          </a:p>
+        </p:txBody>
+      </p:sp>
+      <p:sp>
+        <p:nvSpPr>
+          <p:cNvPr id="55" name="ZoneTexte 54"/>
+          <p:cNvSpPr txBox="1"/>
+          <p:nvPr/>
+        </p:nvSpPr>
+        <p:spPr>
+          <a:xfrm>
+            <a:off x="576552" y="2282388"/>
+            <a:ext cx="349776" cy="276999"/>
+          </a:xfrm>
+          <a:prstGeom prst="rect">
+            <a:avLst/>
+          </a:prstGeom>
+          <a:noFill/>
+        </p:spPr>
+        <p:txBody>
+          <a:bodyPr wrap="none" rtlCol="0">
+            <a:spAutoFit/>
+          </a:bodyPr>
+          <a:lstStyle/>
+          <a:p>
+            <a:r>
+              <a:rPr lang="fr-FR" sz="1200" b="1" dirty="0"/>
+              <a:t>Ph</a:t>
+            </a:r>
+          </a:p>
+        </p:txBody>
+      </p:sp>
+      <p:sp>
+        <p:nvSpPr>
+          <p:cNvPr id="57" name="ZoneTexte 56"/>
+          <p:cNvSpPr txBox="1"/>
+          <p:nvPr/>
+        </p:nvSpPr>
+        <p:spPr>
+          <a:xfrm>
+            <a:off x="1773870" y="2266878"/>
+            <a:ext cx="349776" cy="276999"/>
+          </a:xfrm>
+          <a:prstGeom prst="rect">
+            <a:avLst/>
+          </a:prstGeom>
+          <a:noFill/>
+        </p:spPr>
+        <p:txBody>
+          <a:bodyPr wrap="none" rtlCol="0">
+            <a:spAutoFit/>
+          </a:bodyPr>
+          <a:lstStyle/>
+          <a:p>
+            <a:r>
+              <a:rPr lang="fr-FR" sz="1200" b="1" dirty="0"/>
+              <a:t>Ph</a:t>
+            </a:r>
+          </a:p>
+        </p:txBody>
+      </p:sp>
+      <p:sp>
+        <p:nvSpPr>
+          <p:cNvPr id="58" name="ZoneTexte 57"/>
+          <p:cNvSpPr txBox="1"/>
+          <p:nvPr/>
+        </p:nvSpPr>
+        <p:spPr>
+          <a:xfrm>
+            <a:off x="447909" y="3844266"/>
+            <a:ext cx="1802096" cy="276999"/>
+          </a:xfrm>
+          <a:prstGeom prst="rect">
+            <a:avLst/>
+          </a:prstGeom>
+          <a:noFill/>
+        </p:spPr>
+        <p:txBody>
+          <a:bodyPr wrap="none" rtlCol="0">
+            <a:spAutoFit/>
+          </a:bodyPr>
+          <a:lstStyle/>
+          <a:p>
+            <a:r>
+              <a:rPr lang="fr-FR" sz="1200" b="1" dirty="0"/>
+              <a:t>Ph : </a:t>
+            </a:r>
+            <a:r>
+              <a:rPr lang="fr-FR" sz="1200" dirty="0"/>
+              <a:t>pression hydraulique</a:t>
+            </a:r>
+          </a:p>
+        </p:txBody>
+      </p:sp>
+      <p:sp>
+        <p:nvSpPr>
+          <p:cNvPr id="54" name="Éclair 53"/>
+          <p:cNvSpPr/>
+          <p:nvPr/>
+        </p:nvSpPr>
+        <p:spPr>
+          <a:xfrm rot="20654556" flipV="1">
+            <a:off x="1110781" y="3117896"/>
+            <a:ext cx="286069" cy="332896"/>
+          </a:xfrm>
+          <a:prstGeom prst="lightningBolt">
+            <a:avLst/>
+          </a:prstGeom>
+          <a:solidFill>
+            <a:srgbClr val="FFC000"/>
+          </a:solidFill>
+          <a:ln>
+            <a:solidFill>
+              <a:srgbClr val="FF0000"/>
+            </a:solidFill>
+          </a:ln>
+        </p:spPr>
+        <p:style>
+          <a:lnRef idx="2">
+            <a:schemeClr val="accent1">
+              <a:shade val="50000"/>
+            </a:schemeClr>
+          </a:lnRef>
+          <a:fillRef idx="1">
+            <a:schemeClr val="accent1"/>
+          </a:fillRef>
+          <a:effectRef idx="0">
+            <a:schemeClr val="accent1"/>
+          </a:effectRef>
+          <a:fontRef idx="minor">
+            <a:schemeClr val="lt1"/>
+          </a:fontRef>
+        </p:style>
+        <p:txBody>
+          <a:bodyPr rtlCol="0" anchor="ctr"/>
+          <a:lstStyle/>
+          <a:p>
+            <a:pPr algn="ctr"/>
+            <a:endParaRPr lang="fr-FR"/>
+          </a:p>
+        </p:txBody>
+      </p:sp>
+      <p:sp>
+        <p:nvSpPr>
+          <p:cNvPr id="60" name="ZoneTexte 59"/>
+          <p:cNvSpPr txBox="1"/>
+          <p:nvPr/>
+        </p:nvSpPr>
+        <p:spPr>
+          <a:xfrm>
+            <a:off x="919186" y="3445295"/>
+            <a:ext cx="824906" cy="276999"/>
+          </a:xfrm>
+          <a:prstGeom prst="rect">
+            <a:avLst/>
+          </a:prstGeom>
+          <a:noFill/>
+        </p:spPr>
+        <p:txBody>
+          <a:bodyPr wrap="none" rtlCol="0">
+            <a:spAutoFit/>
+          </a:bodyPr>
+          <a:lstStyle/>
+          <a:p>
+            <a:r>
+              <a:rPr lang="fr-FR" sz="1200" b="1" dirty="0"/>
+              <a:t>Pesanteur</a:t>
+            </a:r>
+          </a:p>
+        </p:txBody>
+      </p:sp>
+    </p:spTree>
+    <p:extLst>
+      <p:ext uri="{BB962C8B-B14F-4D97-AF65-F5344CB8AC3E}">
+        <p14:creationId xmlns:p14="http://schemas.microsoft.com/office/powerpoint/2010/main" val="745607659"/>
+      </p:ext>
+    </p:extLst>
+  </p:cSld>
+  <p:clrMapOvr>
+    <a:masterClrMapping/>
+  </p:clrMapOvr>
+</p:sld>
+</file>
+
+<file path=ppt/slides/slide11.xml><?xml version="1.0" encoding="utf-8"?>
+<p:sld xmlns:a="http://schemas.openxmlformats.org/drawingml/2006/main" xmlns:r="http://schemas.openxmlformats.org/officeDocument/2006/relationships" xmlns:p="http://schemas.openxmlformats.org/presentationml/2006/main">
+  <p:cSld>
+    <p:spTree>
+      <p:nvGrpSpPr>
+        <p:cNvPr id="1" name=""/>
+        <p:cNvGrpSpPr/>
+        <p:nvPr/>
+      </p:nvGrpSpPr>
+      <p:grpSpPr>
+        <a:xfrm>
+          <a:off x="0" y="0"/>
+          <a:ext cx="0" cy="0"/>
+          <a:chOff x="0" y="0"/>
+          <a:chExt cx="0" cy="0"/>
+        </a:xfrm>
+      </p:grpSpPr>
+      <p:sp>
+        <p:nvSpPr>
+          <p:cNvPr id="56" name="Arc 55"/>
+          <p:cNvSpPr/>
+          <p:nvPr/>
+        </p:nvSpPr>
+        <p:spPr>
+          <a:xfrm flipH="1">
+            <a:off x="2087864" y="1974870"/>
+            <a:ext cx="511561" cy="842026"/>
+          </a:xfrm>
+          <a:prstGeom prst="arc">
+            <a:avLst>
+              <a:gd name="adj1" fmla="val 17428693"/>
+              <a:gd name="adj2" fmla="val 4205247"/>
+            </a:avLst>
+          </a:prstGeom>
+          <a:ln w="38100">
+            <a:solidFill>
+              <a:srgbClr val="FF0000"/>
+            </a:solidFill>
+            <a:prstDash val="sysDot"/>
+            <a:headEnd type="stealth" w="med" len="lg"/>
+            <a:tailEnd type="stealth" w="med" len="lg"/>
+          </a:ln>
+        </p:spPr>
+        <p:style>
+          <a:lnRef idx="1">
+            <a:schemeClr val="accent1"/>
+          </a:lnRef>
+          <a:fillRef idx="0">
+            <a:schemeClr val="accent1"/>
+          </a:fillRef>
+          <a:effectRef idx="0">
+            <a:schemeClr val="accent1"/>
+          </a:effectRef>
+          <a:fontRef idx="minor">
+            <a:schemeClr val="tx1"/>
+          </a:fontRef>
+        </p:style>
+        <p:txBody>
+          <a:bodyPr rtlCol="0" anchor="ctr"/>
+          <a:lstStyle/>
+          <a:p>
+            <a:pPr algn="ctr"/>
+            <a:endParaRPr lang="fr-FR"/>
+          </a:p>
+        </p:txBody>
+      </p:sp>
+      <p:pic>
+        <p:nvPicPr>
+          <p:cNvPr id="1026" name="Picture 2"/>
+          <p:cNvPicPr>
+            <a:picLocks noChangeAspect="1" noChangeArrowheads="1"/>
+          </p:cNvPicPr>
+          <p:nvPr/>
+        </p:nvPicPr>
+        <p:blipFill>
+          <a:blip r:embed="rId2">
+            <a:extLst>
+              <a:ext uri="{28A0092B-C50C-407E-A947-70E740481C1C}">
+                <a14:useLocalDpi xmlns:a14="http://schemas.microsoft.com/office/drawing/2010/main" val="0"/>
+              </a:ext>
+            </a:extLst>
+          </a:blip>
+          <a:srcRect/>
+          <a:stretch>
+            <a:fillRect/>
+          </a:stretch>
+        </p:blipFill>
+        <p:spPr bwMode="auto">
+          <a:xfrm>
             <a:off x="3671956" y="630908"/>
             <a:ext cx="4838700" cy="4371975"/>
           </a:xfrm>
@@ -6334,7 +8292,7 @@
 </p:sld>
 </file>
 
-<file path=ppt/slides/slide11.xml><?xml version="1.0" encoding="utf-8"?>
+<file path=ppt/slides/slide12.xml><?xml version="1.0" encoding="utf-8"?>
 <p:sld xmlns:a="http://schemas.openxmlformats.org/drawingml/2006/main" xmlns:r="http://schemas.openxmlformats.org/officeDocument/2006/relationships" xmlns:p="http://schemas.openxmlformats.org/presentationml/2006/main">
   <p:cSld>
     <p:spTree>
@@ -26285,6 +28243,86 @@
       </p:grpSpPr>
       <p:sp>
         <p:nvSpPr>
+          <p:cNvPr id="2" name="Titre 1">
+            <a:extLst>
+              <a:ext uri="{FF2B5EF4-FFF2-40B4-BE49-F238E27FC236}">
+                <a16:creationId xmlns:a16="http://schemas.microsoft.com/office/drawing/2014/main" id="{0B0B946C-3E24-8744-3A83-AE55CD4B28AF}"/>
+              </a:ext>
+            </a:extLst>
+          </p:cNvPr>
+          <p:cNvSpPr>
+            <a:spLocks noGrp="1"/>
+          </p:cNvSpPr>
+          <p:nvPr>
+            <p:ph type="title"/>
+          </p:nvPr>
+        </p:nvSpPr>
+        <p:spPr/>
+        <p:txBody>
+          <a:bodyPr/>
+          <a:lstStyle/>
+          <a:p>
+            <a:endParaRPr lang="fr-FR"/>
+          </a:p>
+        </p:txBody>
+      </p:sp>
+      <p:sp>
+        <p:nvSpPr>
+          <p:cNvPr id="3" name="Espace réservé du contenu 2">
+            <a:extLst>
+              <a:ext uri="{FF2B5EF4-FFF2-40B4-BE49-F238E27FC236}">
+                <a16:creationId xmlns:a16="http://schemas.microsoft.com/office/drawing/2014/main" id="{F12A8B7D-AEBE-51DD-2842-13AB369E0D13}"/>
+              </a:ext>
+            </a:extLst>
+          </p:cNvPr>
+          <p:cNvSpPr>
+            <a:spLocks noGrp="1"/>
+          </p:cNvSpPr>
+          <p:nvPr>
+            <p:ph idx="1"/>
+          </p:nvPr>
+        </p:nvSpPr>
+        <p:spPr/>
+        <p:txBody>
+          <a:bodyPr/>
+          <a:lstStyle/>
+          <a:p>
+            <a:endParaRPr lang="fr-FR"/>
+          </a:p>
+        </p:txBody>
+      </p:sp>
+    </p:spTree>
+    <p:extLst>
+      <p:ext uri="{BB962C8B-B14F-4D97-AF65-F5344CB8AC3E}">
+        <p14:creationId xmlns:p14="http://schemas.microsoft.com/office/powerpoint/2010/main" val="827916830"/>
+      </p:ext>
+    </p:extLst>
+  </p:cSld>
+  <p:clrMapOvr>
+    <a:masterClrMapping/>
+  </p:clrMapOvr>
+</p:sld>
+</file>
+
+<file path=ppt/slides/slide8.xml><?xml version="1.0" encoding="utf-8"?>
+<p:sld xmlns:a="http://schemas.openxmlformats.org/drawingml/2006/main" xmlns:r="http://schemas.openxmlformats.org/officeDocument/2006/relationships" xmlns:p="http://schemas.openxmlformats.org/presentationml/2006/main">
+  <p:cSld>
+    <p:spTree>
+      <p:nvGrpSpPr>
+        <p:cNvPr id="1" name=""/>
+        <p:cNvGrpSpPr/>
+        <p:nvPr/>
+      </p:nvGrpSpPr>
+      <p:grpSpPr>
+        <a:xfrm>
+          <a:off x="0" y="0"/>
+          <a:ext cx="0" cy="0"/>
+          <a:chOff x="0" y="0"/>
+          <a:chExt cx="0" cy="0"/>
+        </a:xfrm>
+      </p:grpSpPr>
+      <p:sp>
+        <p:nvSpPr>
           <p:cNvPr id="30" name="Rectangle à coins arrondis 29"/>
           <p:cNvSpPr/>
           <p:nvPr/>
@@ -26733,7 +28771,7 @@
 </p:sld>
 </file>
 
-<file path=ppt/slides/slide8.xml><?xml version="1.0" encoding="utf-8"?>
+<file path=ppt/slides/slide9.xml><?xml version="1.0" encoding="utf-8"?>
 <p:sld xmlns:a="http://schemas.openxmlformats.org/drawingml/2006/main" xmlns:r="http://schemas.openxmlformats.org/officeDocument/2006/relationships" xmlns:p="http://schemas.openxmlformats.org/presentationml/2006/main">
   <p:cSld>
     <p:spTree>
@@ -28407,1963 +30445,6 @@
 </p:sld>
 </file>
 
-<file path=ppt/slides/slide9.xml><?xml version="1.0" encoding="utf-8"?>
-<p:sld xmlns:a="http://schemas.openxmlformats.org/drawingml/2006/main" xmlns:r="http://schemas.openxmlformats.org/officeDocument/2006/relationships" xmlns:p="http://schemas.openxmlformats.org/presentationml/2006/main">
-  <p:cSld>
-    <p:spTree>
-      <p:nvGrpSpPr>
-        <p:cNvPr id="1" name=""/>
-        <p:cNvGrpSpPr/>
-        <p:nvPr/>
-      </p:nvGrpSpPr>
-      <p:grpSpPr>
-        <a:xfrm>
-          <a:off x="0" y="0"/>
-          <a:ext cx="0" cy="0"/>
-          <a:chOff x="0" y="0"/>
-          <a:chExt cx="0" cy="0"/>
-        </a:xfrm>
-      </p:grpSpPr>
-      <p:sp>
-        <p:nvSpPr>
-          <p:cNvPr id="56" name="Arc 55"/>
-          <p:cNvSpPr/>
-          <p:nvPr/>
-        </p:nvSpPr>
-        <p:spPr>
-          <a:xfrm flipH="1">
-            <a:off x="2087864" y="1974870"/>
-            <a:ext cx="511561" cy="842026"/>
-          </a:xfrm>
-          <a:prstGeom prst="arc">
-            <a:avLst>
-              <a:gd name="adj1" fmla="val 17428693"/>
-              <a:gd name="adj2" fmla="val 4205247"/>
-            </a:avLst>
-          </a:prstGeom>
-          <a:ln w="38100">
-            <a:solidFill>
-              <a:srgbClr val="FF0000"/>
-            </a:solidFill>
-            <a:prstDash val="sysDot"/>
-            <a:headEnd type="stealth" w="med" len="lg"/>
-            <a:tailEnd type="stealth" w="med" len="lg"/>
-          </a:ln>
-        </p:spPr>
-        <p:style>
-          <a:lnRef idx="1">
-            <a:schemeClr val="accent1"/>
-          </a:lnRef>
-          <a:fillRef idx="0">
-            <a:schemeClr val="accent1"/>
-          </a:fillRef>
-          <a:effectRef idx="0">
-            <a:schemeClr val="accent1"/>
-          </a:effectRef>
-          <a:fontRef idx="minor">
-            <a:schemeClr val="tx1"/>
-          </a:fontRef>
-        </p:style>
-        <p:txBody>
-          <a:bodyPr rtlCol="0" anchor="ctr"/>
-          <a:lstStyle/>
-          <a:p>
-            <a:pPr algn="ctr"/>
-            <a:endParaRPr lang="fr-FR"/>
-          </a:p>
-        </p:txBody>
-      </p:sp>
-      <p:pic>
-        <p:nvPicPr>
-          <p:cNvPr id="1026" name="Picture 2"/>
-          <p:cNvPicPr>
-            <a:picLocks noChangeAspect="1" noChangeArrowheads="1"/>
-          </p:cNvPicPr>
-          <p:nvPr/>
-        </p:nvPicPr>
-        <p:blipFill>
-          <a:blip r:embed="rId2">
-            <a:extLst>
-              <a:ext uri="{28A0092B-C50C-407E-A947-70E740481C1C}">
-                <a14:useLocalDpi xmlns:a14="http://schemas.microsoft.com/office/drawing/2010/main" val="0"/>
-              </a:ext>
-            </a:extLst>
-          </a:blip>
-          <a:srcRect/>
-          <a:stretch>
-            <a:fillRect/>
-          </a:stretch>
-        </p:blipFill>
-        <p:spPr bwMode="auto">
-          <a:xfrm>
-            <a:off x="3635896" y="590973"/>
-            <a:ext cx="4838700" cy="4371975"/>
-          </a:xfrm>
-          <a:prstGeom prst="rect">
-            <a:avLst/>
-          </a:prstGeom>
-          <a:noFill/>
-          <a:ln>
-            <a:noFill/>
-          </a:ln>
-          <a:extLst>
-            <a:ext uri="{909E8E84-426E-40DD-AFC4-6F175D3DCCD1}">
-              <a14:hiddenFill xmlns:a14="http://schemas.microsoft.com/office/drawing/2010/main">
-                <a:solidFill>
-                  <a:schemeClr val="accent1"/>
-                </a:solidFill>
-              </a14:hiddenFill>
-            </a:ext>
-            <a:ext uri="{91240B29-F687-4F45-9708-019B960494DF}">
-              <a14:hiddenLine xmlns:a14="http://schemas.microsoft.com/office/drawing/2010/main" w="9525">
-                <a:solidFill>
-                  <a:schemeClr val="tx1"/>
-                </a:solidFill>
-                <a:miter lim="800000"/>
-                <a:headEnd/>
-                <a:tailEnd/>
-              </a14:hiddenLine>
-            </a:ext>
-          </a:extLst>
-        </p:spPr>
-      </p:pic>
-      <p:sp>
-        <p:nvSpPr>
-          <p:cNvPr id="4" name="Ellipse 3"/>
-          <p:cNvSpPr/>
-          <p:nvPr/>
-        </p:nvSpPr>
-        <p:spPr>
-          <a:xfrm>
-            <a:off x="1115616" y="1772816"/>
-            <a:ext cx="432048" cy="432048"/>
-          </a:xfrm>
-          <a:prstGeom prst="ellipse">
-            <a:avLst/>
-          </a:prstGeom>
-          <a:solidFill>
-            <a:schemeClr val="bg1">
-              <a:lumMod val="85000"/>
-            </a:schemeClr>
-          </a:solidFill>
-          <a:ln w="28575">
-            <a:solidFill>
-              <a:schemeClr val="tx1"/>
-            </a:solidFill>
-          </a:ln>
-        </p:spPr>
-        <p:style>
-          <a:lnRef idx="2">
-            <a:schemeClr val="accent1">
-              <a:shade val="50000"/>
-            </a:schemeClr>
-          </a:lnRef>
-          <a:fillRef idx="1">
-            <a:schemeClr val="accent1"/>
-          </a:fillRef>
-          <a:effectRef idx="0">
-            <a:schemeClr val="accent1"/>
-          </a:effectRef>
-          <a:fontRef idx="minor">
-            <a:schemeClr val="lt1"/>
-          </a:fontRef>
-        </p:style>
-        <p:txBody>
-          <a:bodyPr lIns="0" tIns="0" rIns="0" bIns="0" rtlCol="0" anchor="ctr"/>
-          <a:lstStyle/>
-          <a:p>
-            <a:pPr algn="ctr"/>
-            <a:r>
-              <a:rPr lang="fr-FR" b="1" dirty="0">
-                <a:solidFill>
-                  <a:sysClr val="windowText" lastClr="000000"/>
-                </a:solidFill>
-              </a:rPr>
-              <a:t>N</a:t>
-            </a:r>
-          </a:p>
-        </p:txBody>
-      </p:sp>
-      <p:cxnSp>
-        <p:nvCxnSpPr>
-          <p:cNvPr id="7" name="Connecteur droit 6"/>
-          <p:cNvCxnSpPr>
-            <a:endCxn id="4" idx="0"/>
-          </p:cNvCxnSpPr>
-          <p:nvPr/>
-        </p:nvCxnSpPr>
-        <p:spPr>
-          <a:xfrm>
-            <a:off x="1331640" y="1551640"/>
-            <a:ext cx="0" cy="221176"/>
-          </a:xfrm>
-          <a:prstGeom prst="line">
-            <a:avLst/>
-          </a:prstGeom>
-          <a:noFill/>
-          <a:ln w="28575">
-            <a:solidFill>
-              <a:schemeClr val="tx1"/>
-            </a:solidFill>
-          </a:ln>
-        </p:spPr>
-        <p:style>
-          <a:lnRef idx="2">
-            <a:schemeClr val="accent1">
-              <a:shade val="50000"/>
-            </a:schemeClr>
-          </a:lnRef>
-          <a:fillRef idx="1">
-            <a:schemeClr val="accent1"/>
-          </a:fillRef>
-          <a:effectRef idx="0">
-            <a:schemeClr val="accent1"/>
-          </a:effectRef>
-          <a:fontRef idx="minor">
-            <a:schemeClr val="lt1"/>
-          </a:fontRef>
-        </p:style>
-      </p:cxnSp>
-      <p:grpSp>
-        <p:nvGrpSpPr>
-          <p:cNvPr id="15" name="Groupe 14"/>
-          <p:cNvGrpSpPr/>
-          <p:nvPr/>
-        </p:nvGrpSpPr>
-        <p:grpSpPr>
-          <a:xfrm rot="10800000">
-            <a:off x="1115616" y="1335640"/>
-            <a:ext cx="432048" cy="216000"/>
-            <a:chOff x="1115616" y="2413488"/>
-            <a:chExt cx="432048" cy="216000"/>
-          </a:xfrm>
-        </p:grpSpPr>
-        <p:sp>
-          <p:nvSpPr>
-            <p:cNvPr id="12" name="Rectangle 11"/>
-            <p:cNvSpPr/>
-            <p:nvPr/>
-          </p:nvSpPr>
-          <p:spPr>
-            <a:xfrm>
-              <a:off x="1115616" y="2413488"/>
-              <a:ext cx="432048" cy="216000"/>
-            </a:xfrm>
-            <a:prstGeom prst="rect">
-              <a:avLst/>
-            </a:prstGeom>
-            <a:solidFill>
-              <a:schemeClr val="bg1">
-                <a:lumMod val="85000"/>
-              </a:schemeClr>
-            </a:solidFill>
-            <a:ln>
-              <a:noFill/>
-            </a:ln>
-          </p:spPr>
-          <p:style>
-            <a:lnRef idx="2">
-              <a:schemeClr val="accent1">
-                <a:shade val="50000"/>
-              </a:schemeClr>
-            </a:lnRef>
-            <a:fillRef idx="1">
-              <a:schemeClr val="accent1"/>
-            </a:fillRef>
-            <a:effectRef idx="0">
-              <a:schemeClr val="accent1"/>
-            </a:effectRef>
-            <a:fontRef idx="minor">
-              <a:schemeClr val="lt1"/>
-            </a:fontRef>
-          </p:style>
-          <p:txBody>
-            <a:bodyPr rtlCol="0" anchor="ctr"/>
-            <a:lstStyle/>
-            <a:p>
-              <a:pPr algn="ctr"/>
-              <a:endParaRPr lang="fr-FR"/>
-            </a:p>
-          </p:txBody>
-        </p:sp>
-        <p:cxnSp>
-          <p:nvCxnSpPr>
-            <p:cNvPr id="9" name="Connecteur droit 8"/>
-            <p:cNvCxnSpPr/>
-            <p:nvPr/>
-          </p:nvCxnSpPr>
-          <p:spPr>
-            <a:xfrm>
-              <a:off x="1115616" y="2413488"/>
-              <a:ext cx="432048" cy="0"/>
-            </a:xfrm>
-            <a:prstGeom prst="line">
-              <a:avLst/>
-            </a:prstGeom>
-            <a:noFill/>
-            <a:ln w="28575">
-              <a:solidFill>
-                <a:schemeClr val="tx1"/>
-              </a:solidFill>
-            </a:ln>
-          </p:spPr>
-          <p:style>
-            <a:lnRef idx="2">
-              <a:schemeClr val="accent1">
-                <a:shade val="50000"/>
-              </a:schemeClr>
-            </a:lnRef>
-            <a:fillRef idx="1">
-              <a:schemeClr val="accent1"/>
-            </a:fillRef>
-            <a:effectRef idx="0">
-              <a:schemeClr val="accent1"/>
-            </a:effectRef>
-            <a:fontRef idx="minor">
-              <a:schemeClr val="lt1"/>
-            </a:fontRef>
-          </p:style>
-        </p:cxnSp>
-      </p:grpSp>
-      <p:cxnSp>
-        <p:nvCxnSpPr>
-          <p:cNvPr id="23" name="Connecteur droit 22"/>
-          <p:cNvCxnSpPr>
-            <a:stCxn id="4" idx="2"/>
-            <a:endCxn id="17" idx="6"/>
-          </p:cNvCxnSpPr>
-          <p:nvPr/>
-        </p:nvCxnSpPr>
-        <p:spPr>
-          <a:xfrm flipH="1">
-            <a:off x="460039" y="1988840"/>
-            <a:ext cx="655577" cy="0"/>
-          </a:xfrm>
-          <a:prstGeom prst="line">
-            <a:avLst/>
-          </a:prstGeom>
-          <a:noFill/>
-          <a:ln w="28575">
-            <a:solidFill>
-              <a:schemeClr val="tx1"/>
-            </a:solidFill>
-          </a:ln>
-        </p:spPr>
-        <p:style>
-          <a:lnRef idx="2">
-            <a:schemeClr val="accent1">
-              <a:shade val="50000"/>
-            </a:schemeClr>
-          </a:lnRef>
-          <a:fillRef idx="1">
-            <a:schemeClr val="accent1"/>
-          </a:fillRef>
-          <a:effectRef idx="0">
-            <a:schemeClr val="accent1"/>
-          </a:effectRef>
-          <a:fontRef idx="minor">
-            <a:schemeClr val="lt1"/>
-          </a:fontRef>
-        </p:style>
-      </p:cxnSp>
-      <p:cxnSp>
-        <p:nvCxnSpPr>
-          <p:cNvPr id="26" name="Connecteur droit 25"/>
-          <p:cNvCxnSpPr>
-            <a:stCxn id="17" idx="4"/>
-            <a:endCxn id="18" idx="0"/>
-          </p:cNvCxnSpPr>
-          <p:nvPr/>
-        </p:nvCxnSpPr>
-        <p:spPr>
-          <a:xfrm>
-            <a:off x="244015" y="2204864"/>
-            <a:ext cx="0" cy="432048"/>
-          </a:xfrm>
-          <a:prstGeom prst="line">
-            <a:avLst/>
-          </a:prstGeom>
-          <a:noFill/>
-          <a:ln w="28575">
-            <a:solidFill>
-              <a:schemeClr val="tx1"/>
-            </a:solidFill>
-          </a:ln>
-        </p:spPr>
-        <p:style>
-          <a:lnRef idx="2">
-            <a:schemeClr val="accent1">
-              <a:shade val="50000"/>
-            </a:schemeClr>
-          </a:lnRef>
-          <a:fillRef idx="1">
-            <a:schemeClr val="accent1"/>
-          </a:fillRef>
-          <a:effectRef idx="0">
-            <a:schemeClr val="accent1"/>
-          </a:effectRef>
-          <a:fontRef idx="minor">
-            <a:schemeClr val="lt1"/>
-          </a:fontRef>
-        </p:style>
-      </p:cxnSp>
-      <p:cxnSp>
-        <p:nvCxnSpPr>
-          <p:cNvPr id="29" name="Connecteur droit 28"/>
-          <p:cNvCxnSpPr>
-            <a:stCxn id="19" idx="2"/>
-            <a:endCxn id="18" idx="6"/>
-          </p:cNvCxnSpPr>
-          <p:nvPr/>
-        </p:nvCxnSpPr>
-        <p:spPr>
-          <a:xfrm flipH="1">
-            <a:off x="460039" y="2852936"/>
-            <a:ext cx="655577" cy="0"/>
-          </a:xfrm>
-          <a:prstGeom prst="line">
-            <a:avLst/>
-          </a:prstGeom>
-          <a:noFill/>
-          <a:ln w="28575">
-            <a:solidFill>
-              <a:schemeClr val="tx1"/>
-            </a:solidFill>
-          </a:ln>
-        </p:spPr>
-        <p:style>
-          <a:lnRef idx="2">
-            <a:schemeClr val="accent1">
-              <a:shade val="50000"/>
-            </a:schemeClr>
-          </a:lnRef>
-          <a:fillRef idx="1">
-            <a:schemeClr val="accent1"/>
-          </a:fillRef>
-          <a:effectRef idx="0">
-            <a:schemeClr val="accent1"/>
-          </a:effectRef>
-          <a:fontRef idx="minor">
-            <a:schemeClr val="lt1"/>
-          </a:fontRef>
-        </p:style>
-      </p:cxnSp>
-      <p:cxnSp>
-        <p:nvCxnSpPr>
-          <p:cNvPr id="32" name="Connecteur droit 31"/>
-          <p:cNvCxnSpPr>
-            <a:stCxn id="4" idx="4"/>
-            <a:endCxn id="19" idx="0"/>
-          </p:cNvCxnSpPr>
-          <p:nvPr/>
-        </p:nvCxnSpPr>
-        <p:spPr>
-          <a:xfrm>
-            <a:off x="1331640" y="2204864"/>
-            <a:ext cx="0" cy="432048"/>
-          </a:xfrm>
-          <a:prstGeom prst="line">
-            <a:avLst/>
-          </a:prstGeom>
-          <a:noFill/>
-          <a:ln w="28575">
-            <a:solidFill>
-              <a:schemeClr val="tx1"/>
-            </a:solidFill>
-          </a:ln>
-        </p:spPr>
-        <p:style>
-          <a:lnRef idx="2">
-            <a:schemeClr val="accent1">
-              <a:shade val="50000"/>
-            </a:schemeClr>
-          </a:lnRef>
-          <a:fillRef idx="1">
-            <a:schemeClr val="accent1"/>
-          </a:fillRef>
-          <a:effectRef idx="0">
-            <a:schemeClr val="accent1"/>
-          </a:effectRef>
-          <a:fontRef idx="minor">
-            <a:schemeClr val="lt1"/>
-          </a:fontRef>
-        </p:style>
-      </p:cxnSp>
-      <p:cxnSp>
-        <p:nvCxnSpPr>
-          <p:cNvPr id="35" name="Connecteur droit 34"/>
-          <p:cNvCxnSpPr>
-            <a:stCxn id="21" idx="2"/>
-            <a:endCxn id="4" idx="6"/>
-          </p:cNvCxnSpPr>
-          <p:nvPr/>
-        </p:nvCxnSpPr>
-        <p:spPr>
-          <a:xfrm flipH="1">
-            <a:off x="1547664" y="1988840"/>
-            <a:ext cx="619713" cy="0"/>
-          </a:xfrm>
-          <a:prstGeom prst="line">
-            <a:avLst/>
-          </a:prstGeom>
-          <a:noFill/>
-          <a:ln w="28575">
-            <a:solidFill>
-              <a:schemeClr val="tx1"/>
-            </a:solidFill>
-          </a:ln>
-        </p:spPr>
-        <p:style>
-          <a:lnRef idx="2">
-            <a:schemeClr val="accent1">
-              <a:shade val="50000"/>
-            </a:schemeClr>
-          </a:lnRef>
-          <a:fillRef idx="1">
-            <a:schemeClr val="accent1"/>
-          </a:fillRef>
-          <a:effectRef idx="0">
-            <a:schemeClr val="accent1"/>
-          </a:effectRef>
-          <a:fontRef idx="minor">
-            <a:schemeClr val="lt1"/>
-          </a:fontRef>
-        </p:style>
-      </p:cxnSp>
-      <p:cxnSp>
-        <p:nvCxnSpPr>
-          <p:cNvPr id="39" name="Connecteur droit 38"/>
-          <p:cNvCxnSpPr>
-            <a:stCxn id="21" idx="4"/>
-            <a:endCxn id="20" idx="0"/>
-          </p:cNvCxnSpPr>
-          <p:nvPr/>
-        </p:nvCxnSpPr>
-        <p:spPr>
-          <a:xfrm>
-            <a:off x="2383401" y="2204864"/>
-            <a:ext cx="0" cy="432048"/>
-          </a:xfrm>
-          <a:prstGeom prst="line">
-            <a:avLst/>
-          </a:prstGeom>
-          <a:noFill/>
-          <a:ln w="28575">
-            <a:solidFill>
-              <a:schemeClr val="tx1"/>
-            </a:solidFill>
-          </a:ln>
-        </p:spPr>
-        <p:style>
-          <a:lnRef idx="2">
-            <a:schemeClr val="accent1">
-              <a:shade val="50000"/>
-            </a:schemeClr>
-          </a:lnRef>
-          <a:fillRef idx="1">
-            <a:schemeClr val="accent1"/>
-          </a:fillRef>
-          <a:effectRef idx="0">
-            <a:schemeClr val="accent1"/>
-          </a:effectRef>
-          <a:fontRef idx="minor">
-            <a:schemeClr val="lt1"/>
-          </a:fontRef>
-        </p:style>
-      </p:cxnSp>
-      <p:cxnSp>
-        <p:nvCxnSpPr>
-          <p:cNvPr id="42" name="Connecteur droit 41"/>
-          <p:cNvCxnSpPr>
-            <a:stCxn id="20" idx="2"/>
-            <a:endCxn id="19" idx="6"/>
-          </p:cNvCxnSpPr>
-          <p:nvPr/>
-        </p:nvCxnSpPr>
-        <p:spPr>
-          <a:xfrm flipH="1">
-            <a:off x="1547664" y="2852936"/>
-            <a:ext cx="619713" cy="0"/>
-          </a:xfrm>
-          <a:prstGeom prst="line">
-            <a:avLst/>
-          </a:prstGeom>
-          <a:noFill/>
-          <a:ln w="28575">
-            <a:solidFill>
-              <a:schemeClr val="tx1"/>
-            </a:solidFill>
-          </a:ln>
-        </p:spPr>
-        <p:style>
-          <a:lnRef idx="2">
-            <a:schemeClr val="accent1">
-              <a:shade val="50000"/>
-            </a:schemeClr>
-          </a:lnRef>
-          <a:fillRef idx="1">
-            <a:schemeClr val="accent1"/>
-          </a:fillRef>
-          <a:effectRef idx="0">
-            <a:schemeClr val="accent1"/>
-          </a:effectRef>
-          <a:fontRef idx="minor">
-            <a:schemeClr val="lt1"/>
-          </a:fontRef>
-        </p:style>
-      </p:cxnSp>
-      <mc:AlternateContent xmlns:mc="http://schemas.openxmlformats.org/markup-compatibility/2006" xmlns:a14="http://schemas.microsoft.com/office/drawing/2010/main">
-        <mc:Choice Requires="a14">
-          <p:sp>
-            <p:nvSpPr>
-              <p:cNvPr id="44" name="ZoneTexte 43"/>
-              <p:cNvSpPr txBox="1"/>
-              <p:nvPr/>
-            </p:nvSpPr>
-            <p:spPr>
-              <a:xfrm>
-                <a:off x="1291606" y="2204864"/>
-                <a:ext cx="697883" cy="461665"/>
-              </a:xfrm>
-              <a:prstGeom prst="rect">
-                <a:avLst/>
-              </a:prstGeom>
-              <a:noFill/>
-            </p:spPr>
-            <p:txBody>
-              <a:bodyPr wrap="none" rtlCol="0">
-                <a:spAutoFit/>
-              </a:bodyPr>
-              <a:lstStyle/>
-              <a:p>
-                <a:r>
-                  <a:rPr lang="fr-FR" sz="1200" dirty="0"/>
-                  <a:t>Pivot</a:t>
-                </a:r>
-                <a:endParaRPr lang="fr-FR" sz="1200" i="1" dirty="0">
-                  <a:latin typeface="Cambria Math"/>
-                </a:endParaRPr>
-              </a:p>
-              <a:p>
-                <a14:m>
-                  <m:oMath xmlns:m="http://schemas.openxmlformats.org/officeDocument/2006/math">
-                    <m:d>
-                      <m:dPr>
-                        <m:ctrlPr>
-                          <a:rPr lang="fr-FR" sz="1200" i="1" smtClean="0">
-                            <a:latin typeface="Cambria Math" panose="02040503050406030204" pitchFamily="18" charset="0"/>
-                          </a:rPr>
-                        </m:ctrlPr>
-                      </m:dPr>
-                      <m:e>
-                        <m:r>
-                          <a:rPr lang="fr-FR" sz="1200" b="0" i="1" smtClean="0">
-                            <a:latin typeface="Cambria Math"/>
-                          </a:rPr>
-                          <m:t>𝑂</m:t>
-                        </m:r>
-                        <m:r>
-                          <a:rPr lang="fr-FR" sz="1200" b="0" i="1" smtClean="0">
-                            <a:latin typeface="Cambria Math"/>
-                          </a:rPr>
-                          <m:t>,</m:t>
-                        </m:r>
-                        <m:sSub>
-                          <m:sSubPr>
-                            <m:ctrlPr>
-                              <a:rPr lang="fr-FR" sz="1200" b="0" i="1" smtClean="0">
-                                <a:latin typeface="Cambria Math" panose="02040503050406030204" pitchFamily="18" charset="0"/>
-                              </a:rPr>
-                            </m:ctrlPr>
-                          </m:sSubPr>
-                          <m:e>
-                            <m:acc>
-                              <m:accPr>
-                                <m:chr m:val="⃗"/>
-                                <m:ctrlPr>
-                                  <a:rPr lang="fr-FR" sz="1200" b="0" i="1" smtClean="0">
-                                    <a:latin typeface="Cambria Math" panose="02040503050406030204" pitchFamily="18" charset="0"/>
-                                  </a:rPr>
-                                </m:ctrlPr>
-                              </m:accPr>
-                              <m:e>
-                                <m:r>
-                                  <a:rPr lang="fr-FR" sz="1200" b="0" i="1" smtClean="0">
-                                    <a:latin typeface="Cambria Math"/>
-                                  </a:rPr>
-                                  <m:t>𝑧</m:t>
-                                </m:r>
-                              </m:e>
-                            </m:acc>
-                          </m:e>
-                          <m:sub>
-                            <m:r>
-                              <a:rPr lang="fr-FR" sz="1200" b="0" i="1" smtClean="0">
-                                <a:latin typeface="Cambria Math"/>
-                              </a:rPr>
-                              <m:t>𝑁</m:t>
-                            </m:r>
-                          </m:sub>
-                        </m:sSub>
-                      </m:e>
-                    </m:d>
-                  </m:oMath>
-                </a14:m>
-                <a:r>
-                  <a:rPr lang="fr-FR" sz="1200" dirty="0"/>
-                  <a:t> </a:t>
-                </a:r>
-              </a:p>
-            </p:txBody>
-          </p:sp>
-        </mc:Choice>
-        <mc:Fallback xmlns="">
-          <p:sp>
-            <p:nvSpPr>
-              <p:cNvPr id="44" name="ZoneTexte 43"/>
-              <p:cNvSpPr txBox="1">
-                <a:spLocks noRot="1" noChangeAspect="1" noMove="1" noResize="1" noEditPoints="1" noAdjustHandles="1" noChangeArrowheads="1" noChangeShapeType="1" noTextEdit="1"/>
-              </p:cNvSpPr>
-              <p:nvPr/>
-            </p:nvSpPr>
-            <p:spPr>
-              <a:xfrm>
-                <a:off x="1291606" y="2204864"/>
-                <a:ext cx="697883" cy="461665"/>
-              </a:xfrm>
-              <a:prstGeom prst="rect">
-                <a:avLst/>
-              </a:prstGeom>
-              <a:blipFill rotWithShape="1">
-                <a:blip r:embed="rId3"/>
-                <a:stretch>
-                  <a:fillRect l="-877"/>
-                </a:stretch>
-              </a:blipFill>
-            </p:spPr>
-            <p:txBody>
-              <a:bodyPr/>
-              <a:lstStyle/>
-              <a:p>
-                <a:r>
-                  <a:rPr lang="fr-FR">
-                    <a:noFill/>
-                  </a:rPr>
-                  <a:t> </a:t>
-                </a:r>
-              </a:p>
-            </p:txBody>
-          </p:sp>
-        </mc:Fallback>
-      </mc:AlternateContent>
-      <mc:AlternateContent xmlns:mc="http://schemas.openxmlformats.org/markup-compatibility/2006" xmlns:a14="http://schemas.microsoft.com/office/drawing/2010/main">
-        <mc:Choice Requires="a14">
-          <p:sp>
-            <p:nvSpPr>
-              <p:cNvPr id="46" name="ZoneTexte 45"/>
-              <p:cNvSpPr txBox="1"/>
-              <p:nvPr/>
-            </p:nvSpPr>
-            <p:spPr>
-              <a:xfrm>
-                <a:off x="2383401" y="2190054"/>
-                <a:ext cx="1004186" cy="461665"/>
-              </a:xfrm>
-              <a:prstGeom prst="rect">
-                <a:avLst/>
-              </a:prstGeom>
-              <a:noFill/>
-            </p:spPr>
-            <p:txBody>
-              <a:bodyPr wrap="none" rtlCol="0">
-                <a:spAutoFit/>
-              </a:bodyPr>
-              <a:lstStyle/>
-              <a:p>
-                <a:r>
-                  <a:rPr lang="fr-FR" sz="1200" dirty="0"/>
-                  <a:t>Pivot glissant</a:t>
-                </a:r>
-              </a:p>
-              <a:p>
-                <a:pPr/>
-                <a14:m>
-                  <m:oMathPara xmlns:m="http://schemas.openxmlformats.org/officeDocument/2006/math">
-                    <m:oMathParaPr>
-                      <m:jc m:val="centerGroup"/>
-                    </m:oMathParaPr>
-                    <m:oMath xmlns:m="http://schemas.openxmlformats.org/officeDocument/2006/math">
-                      <m:d>
-                        <m:dPr>
-                          <m:ctrlPr>
-                            <a:rPr lang="fr-FR" sz="1200" i="1" smtClean="0">
-                              <a:latin typeface="Cambria Math" panose="02040503050406030204" pitchFamily="18" charset="0"/>
-                            </a:rPr>
-                          </m:ctrlPr>
-                        </m:dPr>
-                        <m:e>
-                          <m:sSub>
-                            <m:sSubPr>
-                              <m:ctrlPr>
-                                <a:rPr lang="fr-FR" sz="1200" b="0" i="1" smtClean="0">
-                                  <a:latin typeface="Cambria Math" panose="02040503050406030204" pitchFamily="18" charset="0"/>
-                                </a:rPr>
-                              </m:ctrlPr>
-                            </m:sSubPr>
-                            <m:e>
-                              <m:r>
-                                <a:rPr lang="fr-FR" sz="1200" b="0" i="1" smtClean="0">
-                                  <a:latin typeface="Cambria Math"/>
-                                </a:rPr>
-                                <m:t>𝐴</m:t>
-                              </m:r>
-                            </m:e>
-                            <m:sub>
-                              <m:r>
-                                <a:rPr lang="fr-FR" sz="1200" b="0" i="1" smtClean="0">
-                                  <a:latin typeface="Cambria Math"/>
-                                </a:rPr>
-                                <m:t>3</m:t>
-                              </m:r>
-                            </m:sub>
-                          </m:sSub>
-                          <m:r>
-                            <a:rPr lang="fr-FR" sz="1200" b="0" i="1" smtClean="0">
-                              <a:latin typeface="Cambria Math"/>
-                            </a:rPr>
-                            <m:t>,</m:t>
-                          </m:r>
-                          <m:sSub>
-                            <m:sSubPr>
-                              <m:ctrlPr>
-                                <a:rPr lang="fr-FR" sz="1200" b="0" i="1" smtClean="0">
-                                  <a:latin typeface="Cambria Math" panose="02040503050406030204" pitchFamily="18" charset="0"/>
-                                </a:rPr>
-                              </m:ctrlPr>
-                            </m:sSubPr>
-                            <m:e>
-                              <m:acc>
-                                <m:accPr>
-                                  <m:chr m:val="⃗"/>
-                                  <m:ctrlPr>
-                                    <a:rPr lang="fr-FR" sz="1200" b="0" i="1" smtClean="0">
-                                      <a:latin typeface="Cambria Math" panose="02040503050406030204" pitchFamily="18" charset="0"/>
-                                    </a:rPr>
-                                  </m:ctrlPr>
-                                </m:accPr>
-                                <m:e>
-                                  <m:r>
-                                    <a:rPr lang="fr-FR" sz="1200" b="0" i="1" smtClean="0">
-                                      <a:latin typeface="Cambria Math"/>
-                                    </a:rPr>
-                                    <m:t>𝑥</m:t>
-                                  </m:r>
-                                </m:e>
-                              </m:acc>
-                            </m:e>
-                            <m:sub>
-                              <m:r>
-                                <a:rPr lang="fr-FR" sz="1200" b="0" i="1" smtClean="0">
-                                  <a:latin typeface="Cambria Math"/>
-                                </a:rPr>
-                                <m:t>3</m:t>
-                              </m:r>
-                            </m:sub>
-                          </m:sSub>
-                        </m:e>
-                      </m:d>
-                    </m:oMath>
-                  </m:oMathPara>
-                </a14:m>
-                <a:endParaRPr lang="fr-FR" sz="1200" dirty="0"/>
-              </a:p>
-            </p:txBody>
-          </p:sp>
-        </mc:Choice>
-        <mc:Fallback xmlns="">
-          <p:sp>
-            <p:nvSpPr>
-              <p:cNvPr id="46" name="ZoneTexte 45"/>
-              <p:cNvSpPr txBox="1">
-                <a:spLocks noRot="1" noChangeAspect="1" noMove="1" noResize="1" noEditPoints="1" noAdjustHandles="1" noChangeArrowheads="1" noChangeShapeType="1" noTextEdit="1"/>
-              </p:cNvSpPr>
-              <p:nvPr/>
-            </p:nvSpPr>
-            <p:spPr>
-              <a:xfrm>
-                <a:off x="2383401" y="2190054"/>
-                <a:ext cx="1004186" cy="461665"/>
-              </a:xfrm>
-              <a:prstGeom prst="rect">
-                <a:avLst/>
-              </a:prstGeom>
-              <a:blipFill rotWithShape="1">
-                <a:blip r:embed="rId4"/>
-                <a:stretch>
-                  <a:fillRect l="-606"/>
-                </a:stretch>
-              </a:blipFill>
-            </p:spPr>
-            <p:txBody>
-              <a:bodyPr/>
-              <a:lstStyle/>
-              <a:p>
-                <a:r>
-                  <a:rPr lang="fr-FR">
-                    <a:noFill/>
-                  </a:rPr>
-                  <a:t> </a:t>
-                </a:r>
-              </a:p>
-            </p:txBody>
-          </p:sp>
-        </mc:Fallback>
-      </mc:AlternateContent>
-      <mc:AlternateContent xmlns:mc="http://schemas.openxmlformats.org/markup-compatibility/2006" xmlns:a14="http://schemas.microsoft.com/office/drawing/2010/main">
-        <mc:Choice Requires="a14">
-          <p:sp>
-            <p:nvSpPr>
-              <p:cNvPr id="47" name="ZoneTexte 46"/>
-              <p:cNvSpPr txBox="1"/>
-              <p:nvPr/>
-            </p:nvSpPr>
-            <p:spPr>
-              <a:xfrm>
-                <a:off x="-760171" y="2190055"/>
-                <a:ext cx="1004186" cy="461665"/>
-              </a:xfrm>
-              <a:prstGeom prst="rect">
-                <a:avLst/>
-              </a:prstGeom>
-              <a:noFill/>
-            </p:spPr>
-            <p:txBody>
-              <a:bodyPr wrap="none" rtlCol="0">
-                <a:spAutoFit/>
-              </a:bodyPr>
-              <a:lstStyle/>
-              <a:p>
-                <a:r>
-                  <a:rPr lang="fr-FR" sz="1200" dirty="0"/>
-                  <a:t>Pivot glissant</a:t>
-                </a:r>
-              </a:p>
-              <a:p>
-                <a:pPr/>
-                <a14:m>
-                  <m:oMathPara xmlns:m="http://schemas.openxmlformats.org/officeDocument/2006/math">
-                    <m:oMathParaPr>
-                      <m:jc m:val="centerGroup"/>
-                    </m:oMathParaPr>
-                    <m:oMath xmlns:m="http://schemas.openxmlformats.org/officeDocument/2006/math">
-                      <m:d>
-                        <m:dPr>
-                          <m:ctrlPr>
-                            <a:rPr lang="fr-FR" sz="1200" i="1" smtClean="0">
-                              <a:latin typeface="Cambria Math" panose="02040503050406030204" pitchFamily="18" charset="0"/>
-                            </a:rPr>
-                          </m:ctrlPr>
-                        </m:dPr>
-                        <m:e>
-                          <m:sSub>
-                            <m:sSubPr>
-                              <m:ctrlPr>
-                                <a:rPr lang="fr-FR" sz="1200" b="0" i="1" smtClean="0">
-                                  <a:latin typeface="Cambria Math" panose="02040503050406030204" pitchFamily="18" charset="0"/>
-                                </a:rPr>
-                              </m:ctrlPr>
-                            </m:sSubPr>
-                            <m:e>
-                              <m:r>
-                                <a:rPr lang="fr-FR" sz="1200" b="0" i="1" smtClean="0">
-                                  <a:latin typeface="Cambria Math"/>
-                                </a:rPr>
-                                <m:t>𝐴</m:t>
-                              </m:r>
-                            </m:e>
-                            <m:sub>
-                              <m:r>
-                                <a:rPr lang="fr-FR" sz="1200" b="0" i="1" smtClean="0">
-                                  <a:latin typeface="Cambria Math"/>
-                                </a:rPr>
-                                <m:t>2</m:t>
-                              </m:r>
-                            </m:sub>
-                          </m:sSub>
-                          <m:r>
-                            <a:rPr lang="fr-FR" sz="1200" b="0" i="1" smtClean="0">
-                              <a:latin typeface="Cambria Math"/>
-                            </a:rPr>
-                            <m:t>,</m:t>
-                          </m:r>
-                          <m:sSub>
-                            <m:sSubPr>
-                              <m:ctrlPr>
-                                <a:rPr lang="fr-FR" sz="1200" b="0" i="1" smtClean="0">
-                                  <a:latin typeface="Cambria Math" panose="02040503050406030204" pitchFamily="18" charset="0"/>
-                                </a:rPr>
-                              </m:ctrlPr>
-                            </m:sSubPr>
-                            <m:e>
-                              <m:acc>
-                                <m:accPr>
-                                  <m:chr m:val="⃗"/>
-                                  <m:ctrlPr>
-                                    <a:rPr lang="fr-FR" sz="1200" b="0" i="1" smtClean="0">
-                                      <a:latin typeface="Cambria Math" panose="02040503050406030204" pitchFamily="18" charset="0"/>
-                                    </a:rPr>
-                                  </m:ctrlPr>
-                                </m:accPr>
-                                <m:e>
-                                  <m:r>
-                                    <a:rPr lang="fr-FR" sz="1200" b="0" i="1" smtClean="0">
-                                      <a:latin typeface="Cambria Math"/>
-                                    </a:rPr>
-                                    <m:t>𝑥</m:t>
-                                  </m:r>
-                                </m:e>
-                              </m:acc>
-                            </m:e>
-                            <m:sub>
-                              <m:r>
-                                <a:rPr lang="fr-FR" sz="1200" b="0" i="1" smtClean="0">
-                                  <a:latin typeface="Cambria Math"/>
-                                </a:rPr>
-                                <m:t>2</m:t>
-                              </m:r>
-                            </m:sub>
-                          </m:sSub>
-                        </m:e>
-                      </m:d>
-                    </m:oMath>
-                  </m:oMathPara>
-                </a14:m>
-                <a:endParaRPr lang="fr-FR" sz="1200" dirty="0"/>
-              </a:p>
-            </p:txBody>
-          </p:sp>
-        </mc:Choice>
-        <mc:Fallback xmlns="">
-          <p:sp>
-            <p:nvSpPr>
-              <p:cNvPr id="47" name="ZoneTexte 46"/>
-              <p:cNvSpPr txBox="1">
-                <a:spLocks noRot="1" noChangeAspect="1" noMove="1" noResize="1" noEditPoints="1" noAdjustHandles="1" noChangeArrowheads="1" noChangeShapeType="1" noTextEdit="1"/>
-              </p:cNvSpPr>
-              <p:nvPr/>
-            </p:nvSpPr>
-            <p:spPr>
-              <a:xfrm>
-                <a:off x="-760171" y="2190055"/>
-                <a:ext cx="1004186" cy="461665"/>
-              </a:xfrm>
-              <a:prstGeom prst="rect">
-                <a:avLst/>
-              </a:prstGeom>
-              <a:blipFill rotWithShape="1">
-                <a:blip r:embed="rId5"/>
-                <a:stretch>
-                  <a:fillRect/>
-                </a:stretch>
-              </a:blipFill>
-            </p:spPr>
-            <p:txBody>
-              <a:bodyPr/>
-              <a:lstStyle/>
-              <a:p>
-                <a:r>
-                  <a:rPr lang="fr-FR">
-                    <a:noFill/>
-                  </a:rPr>
-                  <a:t> </a:t>
-                </a:r>
-              </a:p>
-            </p:txBody>
-          </p:sp>
-        </mc:Fallback>
-      </mc:AlternateContent>
-      <mc:AlternateContent xmlns:mc="http://schemas.openxmlformats.org/markup-compatibility/2006" xmlns:a14="http://schemas.microsoft.com/office/drawing/2010/main">
-        <mc:Choice Requires="a14">
-          <p:sp>
-            <p:nvSpPr>
-              <p:cNvPr id="48" name="ZoneTexte 47"/>
-              <p:cNvSpPr txBox="1"/>
-              <p:nvPr/>
-            </p:nvSpPr>
-            <p:spPr>
-              <a:xfrm rot="16200000">
-                <a:off x="312217" y="1382355"/>
-                <a:ext cx="951222" cy="276999"/>
-              </a:xfrm>
-              <a:prstGeom prst="rect">
-                <a:avLst/>
-              </a:prstGeom>
-              <a:noFill/>
-            </p:spPr>
-            <p:txBody>
-              <a:bodyPr wrap="none" rtlCol="0">
-                <a:spAutoFit/>
-              </a:bodyPr>
-              <a:lstStyle/>
-              <a:p>
-                <a:r>
-                  <a:rPr lang="fr-FR" sz="1200" dirty="0"/>
-                  <a:t>Sphérique </a:t>
-                </a:r>
-                <a14:m>
-                  <m:oMath xmlns:m="http://schemas.openxmlformats.org/officeDocument/2006/math">
-                    <m:r>
-                      <a:rPr lang="fr-FR" sz="1200" i="1">
-                        <a:latin typeface="Cambria Math"/>
-                      </a:rPr>
-                      <m:t>𝐶</m:t>
-                    </m:r>
-                  </m:oMath>
-                </a14:m>
-                <a:endParaRPr lang="fr-FR" sz="1200" i="1" dirty="0"/>
-              </a:p>
-            </p:txBody>
-          </p:sp>
-        </mc:Choice>
-        <mc:Fallback xmlns="">
-          <p:sp>
-            <p:nvSpPr>
-              <p:cNvPr id="48" name="ZoneTexte 47"/>
-              <p:cNvSpPr txBox="1">
-                <a:spLocks noRot="1" noChangeAspect="1" noMove="1" noResize="1" noEditPoints="1" noAdjustHandles="1" noChangeArrowheads="1" noChangeShapeType="1" noTextEdit="1"/>
-              </p:cNvSpPr>
-              <p:nvPr/>
-            </p:nvSpPr>
-            <p:spPr>
-              <a:xfrm rot="16200000">
-                <a:off x="312217" y="1382355"/>
-                <a:ext cx="951222" cy="276999"/>
-              </a:xfrm>
-              <a:prstGeom prst="rect">
-                <a:avLst/>
-              </a:prstGeom>
-              <a:blipFill rotWithShape="1">
-                <a:blip r:embed="rId6"/>
-                <a:stretch>
-                  <a:fillRect r="-17778"/>
-                </a:stretch>
-              </a:blipFill>
-            </p:spPr>
-            <p:txBody>
-              <a:bodyPr/>
-              <a:lstStyle/>
-              <a:p>
-                <a:r>
-                  <a:rPr lang="fr-FR">
-                    <a:noFill/>
-                  </a:rPr>
-                  <a:t> </a:t>
-                </a:r>
-              </a:p>
-            </p:txBody>
-          </p:sp>
-        </mc:Fallback>
-      </mc:AlternateContent>
-      <mc:AlternateContent xmlns:mc="http://schemas.openxmlformats.org/markup-compatibility/2006" xmlns:a14="http://schemas.microsoft.com/office/drawing/2010/main">
-        <mc:Choice Requires="a14">
-          <p:sp>
-            <p:nvSpPr>
-              <p:cNvPr id="49" name="ZoneTexte 48"/>
-              <p:cNvSpPr txBox="1"/>
-              <p:nvPr/>
-            </p:nvSpPr>
-            <p:spPr>
-              <a:xfrm rot="16200000">
-                <a:off x="1378414" y="1382355"/>
-                <a:ext cx="958211" cy="276999"/>
-              </a:xfrm>
-              <a:prstGeom prst="rect">
-                <a:avLst/>
-              </a:prstGeom>
-              <a:noFill/>
-            </p:spPr>
-            <p:txBody>
-              <a:bodyPr wrap="none" rtlCol="0">
-                <a:spAutoFit/>
-              </a:bodyPr>
-              <a:lstStyle/>
-              <a:p>
-                <a:r>
-                  <a:rPr lang="fr-FR" sz="1200" dirty="0"/>
-                  <a:t>Sphérique </a:t>
-                </a:r>
-                <a14:m>
-                  <m:oMath xmlns:m="http://schemas.openxmlformats.org/officeDocument/2006/math">
-                    <m:r>
-                      <a:rPr lang="fr-FR" sz="1200" b="0" i="1" smtClean="0">
-                        <a:latin typeface="Cambria Math"/>
-                      </a:rPr>
-                      <m:t>𝐵</m:t>
-                    </m:r>
-                  </m:oMath>
-                </a14:m>
-                <a:endParaRPr lang="fr-FR" sz="1200" i="1" dirty="0"/>
-              </a:p>
-            </p:txBody>
-          </p:sp>
-        </mc:Choice>
-        <mc:Fallback xmlns="">
-          <p:sp>
-            <p:nvSpPr>
-              <p:cNvPr id="49" name="ZoneTexte 48"/>
-              <p:cNvSpPr txBox="1">
-                <a:spLocks noRot="1" noChangeAspect="1" noMove="1" noResize="1" noEditPoints="1" noAdjustHandles="1" noChangeArrowheads="1" noChangeShapeType="1" noTextEdit="1"/>
-              </p:cNvSpPr>
-              <p:nvPr/>
-            </p:nvSpPr>
-            <p:spPr>
-              <a:xfrm rot="16200000">
-                <a:off x="1378414" y="1382355"/>
-                <a:ext cx="958211" cy="276999"/>
-              </a:xfrm>
-              <a:prstGeom prst="rect">
-                <a:avLst/>
-              </a:prstGeom>
-              <a:blipFill rotWithShape="1">
-                <a:blip r:embed="rId7"/>
-                <a:stretch>
-                  <a:fillRect r="-17778" b="-637"/>
-                </a:stretch>
-              </a:blipFill>
-            </p:spPr>
-            <p:txBody>
-              <a:bodyPr/>
-              <a:lstStyle/>
-              <a:p>
-                <a:r>
-                  <a:rPr lang="fr-FR">
-                    <a:noFill/>
-                  </a:rPr>
-                  <a:t> </a:t>
-                </a:r>
-              </a:p>
-            </p:txBody>
-          </p:sp>
-        </mc:Fallback>
-      </mc:AlternateContent>
-      <p:sp>
-        <p:nvSpPr>
-          <p:cNvPr id="17" name="Ellipse 16"/>
-          <p:cNvSpPr/>
-          <p:nvPr/>
-        </p:nvSpPr>
-        <p:spPr>
-          <a:xfrm>
-            <a:off x="27991" y="1772816"/>
-            <a:ext cx="432048" cy="432048"/>
-          </a:xfrm>
-          <a:prstGeom prst="ellipse">
-            <a:avLst/>
-          </a:prstGeom>
-          <a:solidFill>
-            <a:schemeClr val="accent4">
-              <a:lumMod val="20000"/>
-              <a:lumOff val="80000"/>
-            </a:schemeClr>
-          </a:solidFill>
-          <a:ln w="28575">
-            <a:solidFill>
-              <a:schemeClr val="accent4"/>
-            </a:solidFill>
-          </a:ln>
-        </p:spPr>
-        <p:style>
-          <a:lnRef idx="2">
-            <a:schemeClr val="accent1">
-              <a:shade val="50000"/>
-            </a:schemeClr>
-          </a:lnRef>
-          <a:fillRef idx="1">
-            <a:schemeClr val="accent1"/>
-          </a:fillRef>
-          <a:effectRef idx="0">
-            <a:schemeClr val="accent1"/>
-          </a:effectRef>
-          <a:fontRef idx="minor">
-            <a:schemeClr val="lt1"/>
-          </a:fontRef>
-        </p:style>
-        <p:txBody>
-          <a:bodyPr lIns="0" tIns="0" rIns="0" bIns="0" rtlCol="0" anchor="ctr"/>
-          <a:lstStyle/>
-          <a:p>
-            <a:pPr algn="ctr"/>
-            <a:r>
-              <a:rPr lang="fr-FR" b="1" dirty="0">
-                <a:solidFill>
-                  <a:schemeClr val="accent4"/>
-                </a:solidFill>
-              </a:rPr>
-              <a:t>4</a:t>
-            </a:r>
-          </a:p>
-        </p:txBody>
-      </p:sp>
-      <p:sp>
-        <p:nvSpPr>
-          <p:cNvPr id="18" name="Ellipse 17"/>
-          <p:cNvSpPr/>
-          <p:nvPr/>
-        </p:nvSpPr>
-        <p:spPr>
-          <a:xfrm>
-            <a:off x="27991" y="2636912"/>
-            <a:ext cx="432048" cy="432048"/>
-          </a:xfrm>
-          <a:prstGeom prst="ellipse">
-            <a:avLst/>
-          </a:prstGeom>
-          <a:solidFill>
-            <a:srgbClr val="FFD1D1"/>
-          </a:solidFill>
-          <a:ln w="28575">
-            <a:solidFill>
-              <a:srgbClr val="FF0000"/>
-            </a:solidFill>
-          </a:ln>
-        </p:spPr>
-        <p:style>
-          <a:lnRef idx="2">
-            <a:schemeClr val="accent1">
-              <a:shade val="50000"/>
-            </a:schemeClr>
-          </a:lnRef>
-          <a:fillRef idx="1">
-            <a:schemeClr val="accent1"/>
-          </a:fillRef>
-          <a:effectRef idx="0">
-            <a:schemeClr val="accent1"/>
-          </a:effectRef>
-          <a:fontRef idx="minor">
-            <a:schemeClr val="lt1"/>
-          </a:fontRef>
-        </p:style>
-        <p:txBody>
-          <a:bodyPr lIns="0" tIns="0" rIns="0" bIns="0" rtlCol="0" anchor="ctr"/>
-          <a:lstStyle/>
-          <a:p>
-            <a:pPr algn="ctr"/>
-            <a:r>
-              <a:rPr lang="fr-FR" b="1" dirty="0">
-                <a:solidFill>
-                  <a:srgbClr val="FF0000"/>
-                </a:solidFill>
-              </a:rPr>
-              <a:t>2</a:t>
-            </a:r>
-          </a:p>
-        </p:txBody>
-      </p:sp>
-      <p:sp>
-        <p:nvSpPr>
-          <p:cNvPr id="19" name="Ellipse 18"/>
-          <p:cNvSpPr/>
-          <p:nvPr/>
-        </p:nvSpPr>
-        <p:spPr>
-          <a:xfrm>
-            <a:off x="1115616" y="2636912"/>
-            <a:ext cx="432048" cy="432048"/>
-          </a:xfrm>
-          <a:prstGeom prst="ellipse">
-            <a:avLst/>
-          </a:prstGeom>
-          <a:solidFill>
-            <a:schemeClr val="tx2">
-              <a:lumMod val="20000"/>
-              <a:lumOff val="80000"/>
-            </a:schemeClr>
-          </a:solidFill>
-          <a:ln w="28575">
-            <a:solidFill>
-              <a:schemeClr val="tx2"/>
-            </a:solidFill>
-          </a:ln>
-        </p:spPr>
-        <p:style>
-          <a:lnRef idx="2">
-            <a:schemeClr val="accent1">
-              <a:shade val="50000"/>
-            </a:schemeClr>
-          </a:lnRef>
-          <a:fillRef idx="1">
-            <a:schemeClr val="accent1"/>
-          </a:fillRef>
-          <a:effectRef idx="0">
-            <a:schemeClr val="accent1"/>
-          </a:effectRef>
-          <a:fontRef idx="minor">
-            <a:schemeClr val="lt1"/>
-          </a:fontRef>
-        </p:style>
-        <p:txBody>
-          <a:bodyPr lIns="0" tIns="0" rIns="0" bIns="0" rtlCol="0" anchor="ctr"/>
-          <a:lstStyle/>
-          <a:p>
-            <a:pPr algn="ctr"/>
-            <a:r>
-              <a:rPr lang="fr-FR" b="1" dirty="0">
-                <a:solidFill>
-                  <a:schemeClr val="tx2"/>
-                </a:solidFill>
-              </a:rPr>
-              <a:t>1</a:t>
-            </a:r>
-          </a:p>
-        </p:txBody>
-      </p:sp>
-      <p:sp>
-        <p:nvSpPr>
-          <p:cNvPr id="20" name="Ellipse 19"/>
-          <p:cNvSpPr/>
-          <p:nvPr/>
-        </p:nvSpPr>
-        <p:spPr>
-          <a:xfrm>
-            <a:off x="2167377" y="2636912"/>
-            <a:ext cx="432048" cy="432048"/>
-          </a:xfrm>
-          <a:prstGeom prst="ellipse">
-            <a:avLst/>
-          </a:prstGeom>
-          <a:solidFill>
-            <a:srgbClr val="A3FFCD"/>
-          </a:solidFill>
-          <a:ln w="28575">
-            <a:solidFill>
-              <a:srgbClr val="00B050"/>
-            </a:solidFill>
-          </a:ln>
-        </p:spPr>
-        <p:style>
-          <a:lnRef idx="2">
-            <a:schemeClr val="accent1">
-              <a:shade val="50000"/>
-            </a:schemeClr>
-          </a:lnRef>
-          <a:fillRef idx="1">
-            <a:schemeClr val="accent1"/>
-          </a:fillRef>
-          <a:effectRef idx="0">
-            <a:schemeClr val="accent1"/>
-          </a:effectRef>
-          <a:fontRef idx="minor">
-            <a:schemeClr val="lt1"/>
-          </a:fontRef>
-        </p:style>
-        <p:txBody>
-          <a:bodyPr lIns="0" tIns="0" rIns="0" bIns="0" rtlCol="0" anchor="ctr"/>
-          <a:lstStyle/>
-          <a:p>
-            <a:pPr algn="ctr"/>
-            <a:r>
-              <a:rPr lang="fr-FR" b="1" dirty="0">
-                <a:solidFill>
-                  <a:srgbClr val="00B050"/>
-                </a:solidFill>
-              </a:rPr>
-              <a:t>3</a:t>
-            </a:r>
-          </a:p>
-        </p:txBody>
-      </p:sp>
-      <p:sp>
-        <p:nvSpPr>
-          <p:cNvPr id="21" name="Ellipse 20"/>
-          <p:cNvSpPr/>
-          <p:nvPr/>
-        </p:nvSpPr>
-        <p:spPr>
-          <a:xfrm>
-            <a:off x="2167377" y="1772816"/>
-            <a:ext cx="432048" cy="432048"/>
-          </a:xfrm>
-          <a:prstGeom prst="ellipse">
-            <a:avLst/>
-          </a:prstGeom>
-          <a:solidFill>
-            <a:schemeClr val="bg2">
-              <a:lumMod val="90000"/>
-            </a:schemeClr>
-          </a:solidFill>
-          <a:ln w="28575">
-            <a:solidFill>
-              <a:schemeClr val="bg2">
-                <a:lumMod val="25000"/>
-              </a:schemeClr>
-            </a:solidFill>
-          </a:ln>
-        </p:spPr>
-        <p:style>
-          <a:lnRef idx="2">
-            <a:schemeClr val="accent1">
-              <a:shade val="50000"/>
-            </a:schemeClr>
-          </a:lnRef>
-          <a:fillRef idx="1">
-            <a:schemeClr val="accent1"/>
-          </a:fillRef>
-          <a:effectRef idx="0">
-            <a:schemeClr val="accent1"/>
-          </a:effectRef>
-          <a:fontRef idx="minor">
-            <a:schemeClr val="lt1"/>
-          </a:fontRef>
-        </p:style>
-        <p:txBody>
-          <a:bodyPr lIns="0" tIns="0" rIns="0" bIns="0" rtlCol="0" anchor="ctr"/>
-          <a:lstStyle/>
-          <a:p>
-            <a:pPr algn="ctr"/>
-            <a:r>
-              <a:rPr lang="fr-FR" b="1" dirty="0">
-                <a:solidFill>
-                  <a:schemeClr val="bg2">
-                    <a:lumMod val="25000"/>
-                  </a:schemeClr>
-                </a:solidFill>
-              </a:rPr>
-              <a:t>5</a:t>
-            </a:r>
-          </a:p>
-        </p:txBody>
-      </p:sp>
-      <mc:AlternateContent xmlns:mc="http://schemas.openxmlformats.org/markup-compatibility/2006" xmlns:a14="http://schemas.microsoft.com/office/drawing/2010/main">
-        <mc:Choice Requires="a14">
-          <p:sp>
-            <p:nvSpPr>
-              <p:cNvPr id="50" name="ZoneTexte 49"/>
-              <p:cNvSpPr txBox="1"/>
-              <p:nvPr/>
-            </p:nvSpPr>
-            <p:spPr>
-              <a:xfrm rot="16200000">
-                <a:off x="275604" y="3193542"/>
-                <a:ext cx="1024448" cy="276999"/>
-              </a:xfrm>
-              <a:prstGeom prst="rect">
-                <a:avLst/>
-              </a:prstGeom>
-              <a:noFill/>
-            </p:spPr>
-            <p:txBody>
-              <a:bodyPr wrap="none" rtlCol="0">
-                <a:spAutoFit/>
-              </a:bodyPr>
-              <a:lstStyle/>
-              <a:p>
-                <a:r>
-                  <a:rPr lang="fr-FR" sz="1200" dirty="0"/>
-                  <a:t>Sphérique </a:t>
-                </a:r>
-                <a14:m>
-                  <m:oMath xmlns:m="http://schemas.openxmlformats.org/officeDocument/2006/math">
-                    <m:sSub>
-                      <m:sSubPr>
-                        <m:ctrlPr>
-                          <a:rPr lang="fr-FR" sz="1200" b="0" i="1" smtClean="0">
-                            <a:latin typeface="Cambria Math" panose="02040503050406030204" pitchFamily="18" charset="0"/>
-                          </a:rPr>
-                        </m:ctrlPr>
-                      </m:sSubPr>
-                      <m:e>
-                        <m:r>
-                          <a:rPr lang="fr-FR" sz="1200" b="0" i="1" smtClean="0">
-                            <a:latin typeface="Cambria Math"/>
-                          </a:rPr>
-                          <m:t>𝐴</m:t>
-                        </m:r>
-                      </m:e>
-                      <m:sub>
-                        <m:r>
-                          <a:rPr lang="fr-FR" sz="1200" b="0" i="1" smtClean="0">
-                            <a:latin typeface="Cambria Math"/>
-                          </a:rPr>
-                          <m:t>2</m:t>
-                        </m:r>
-                      </m:sub>
-                    </m:sSub>
-                  </m:oMath>
-                </a14:m>
-                <a:endParaRPr lang="fr-FR" sz="1200" i="1" dirty="0"/>
-              </a:p>
-            </p:txBody>
-          </p:sp>
-        </mc:Choice>
-        <mc:Fallback xmlns="">
-          <p:sp>
-            <p:nvSpPr>
-              <p:cNvPr id="50" name="ZoneTexte 49"/>
-              <p:cNvSpPr txBox="1">
-                <a:spLocks noRot="1" noChangeAspect="1" noMove="1" noResize="1" noEditPoints="1" noAdjustHandles="1" noChangeArrowheads="1" noChangeShapeType="1" noTextEdit="1"/>
-              </p:cNvSpPr>
-              <p:nvPr/>
-            </p:nvSpPr>
-            <p:spPr>
-              <a:xfrm rot="16200000">
-                <a:off x="275604" y="3193542"/>
-                <a:ext cx="1024448" cy="276999"/>
-              </a:xfrm>
-              <a:prstGeom prst="rect">
-                <a:avLst/>
-              </a:prstGeom>
-              <a:blipFill rotWithShape="1">
-                <a:blip r:embed="rId8"/>
-                <a:stretch>
-                  <a:fillRect r="-17778"/>
-                </a:stretch>
-              </a:blipFill>
-            </p:spPr>
-            <p:txBody>
-              <a:bodyPr/>
-              <a:lstStyle/>
-              <a:p>
-                <a:r>
-                  <a:rPr lang="fr-FR">
-                    <a:noFill/>
-                  </a:rPr>
-                  <a:t> </a:t>
-                </a:r>
-              </a:p>
-            </p:txBody>
-          </p:sp>
-        </mc:Fallback>
-      </mc:AlternateContent>
-      <mc:AlternateContent xmlns:mc="http://schemas.openxmlformats.org/markup-compatibility/2006" xmlns:a14="http://schemas.microsoft.com/office/drawing/2010/main">
-        <mc:Choice Requires="a14">
-          <p:sp>
-            <p:nvSpPr>
-              <p:cNvPr id="51" name="ZoneTexte 50"/>
-              <p:cNvSpPr txBox="1"/>
-              <p:nvPr/>
-            </p:nvSpPr>
-            <p:spPr>
-              <a:xfrm rot="16200000">
-                <a:off x="1346001" y="3193542"/>
-                <a:ext cx="1023037" cy="276999"/>
-              </a:xfrm>
-              <a:prstGeom prst="rect">
-                <a:avLst/>
-              </a:prstGeom>
-              <a:noFill/>
-            </p:spPr>
-            <p:txBody>
-              <a:bodyPr wrap="none" rtlCol="0">
-                <a:spAutoFit/>
-              </a:bodyPr>
-              <a:lstStyle/>
-              <a:p>
-                <a:r>
-                  <a:rPr lang="fr-FR" sz="1200" dirty="0"/>
-                  <a:t>Sphérique </a:t>
-                </a:r>
-                <a14:m>
-                  <m:oMath xmlns:m="http://schemas.openxmlformats.org/officeDocument/2006/math">
-                    <m:sSub>
-                      <m:sSubPr>
-                        <m:ctrlPr>
-                          <a:rPr lang="fr-FR" sz="1200" b="0" i="1" smtClean="0">
-                            <a:latin typeface="Cambria Math" panose="02040503050406030204" pitchFamily="18" charset="0"/>
-                          </a:rPr>
-                        </m:ctrlPr>
-                      </m:sSubPr>
-                      <m:e>
-                        <m:r>
-                          <a:rPr lang="fr-FR" sz="1200" b="0" i="1" smtClean="0">
-                            <a:latin typeface="Cambria Math"/>
-                          </a:rPr>
-                          <m:t>𝐴</m:t>
-                        </m:r>
-                      </m:e>
-                      <m:sub>
-                        <m:r>
-                          <a:rPr lang="fr-FR" sz="1200" b="0" i="1" smtClean="0">
-                            <a:latin typeface="Cambria Math"/>
-                          </a:rPr>
-                          <m:t>3</m:t>
-                        </m:r>
-                      </m:sub>
-                    </m:sSub>
-                  </m:oMath>
-                </a14:m>
-                <a:endParaRPr lang="fr-FR" sz="1200" i="1" dirty="0"/>
-              </a:p>
-            </p:txBody>
-          </p:sp>
-        </mc:Choice>
-        <mc:Fallback xmlns="">
-          <p:sp>
-            <p:nvSpPr>
-              <p:cNvPr id="51" name="ZoneTexte 50"/>
-              <p:cNvSpPr txBox="1">
-                <a:spLocks noRot="1" noChangeAspect="1" noMove="1" noResize="1" noEditPoints="1" noAdjustHandles="1" noChangeArrowheads="1" noChangeShapeType="1" noTextEdit="1"/>
-              </p:cNvSpPr>
-              <p:nvPr/>
-            </p:nvSpPr>
-            <p:spPr>
-              <a:xfrm rot="16200000">
-                <a:off x="1346001" y="3193542"/>
-                <a:ext cx="1023037" cy="276999"/>
-              </a:xfrm>
-              <a:prstGeom prst="rect">
-                <a:avLst/>
-              </a:prstGeom>
-              <a:blipFill rotWithShape="1">
-                <a:blip r:embed="rId9"/>
-                <a:stretch>
-                  <a:fillRect r="-17778"/>
-                </a:stretch>
-              </a:blipFill>
-            </p:spPr>
-            <p:txBody>
-              <a:bodyPr/>
-              <a:lstStyle/>
-              <a:p>
-                <a:r>
-                  <a:rPr lang="fr-FR">
-                    <a:noFill/>
-                  </a:rPr>
-                  <a:t> </a:t>
-                </a:r>
-              </a:p>
-            </p:txBody>
-          </p:sp>
-        </mc:Fallback>
-      </mc:AlternateContent>
-      <p:sp>
-        <p:nvSpPr>
-          <p:cNvPr id="53" name="Arc 52"/>
-          <p:cNvSpPr/>
-          <p:nvPr/>
-        </p:nvSpPr>
-        <p:spPr>
-          <a:xfrm>
-            <a:off x="74159" y="1996791"/>
-            <a:ext cx="511561" cy="842026"/>
-          </a:xfrm>
-          <a:prstGeom prst="arc">
-            <a:avLst>
-              <a:gd name="adj1" fmla="val 17428693"/>
-              <a:gd name="adj2" fmla="val 4205247"/>
-            </a:avLst>
-          </a:prstGeom>
-          <a:ln w="38100">
-            <a:solidFill>
-              <a:srgbClr val="FF0000"/>
-            </a:solidFill>
-            <a:headEnd type="stealth" w="med" len="lg"/>
-            <a:tailEnd type="stealth" w="med" len="lg"/>
-          </a:ln>
-        </p:spPr>
-        <p:style>
-          <a:lnRef idx="1">
-            <a:schemeClr val="accent1"/>
-          </a:lnRef>
-          <a:fillRef idx="0">
-            <a:schemeClr val="accent1"/>
-          </a:fillRef>
-          <a:effectRef idx="0">
-            <a:schemeClr val="accent1"/>
-          </a:effectRef>
-          <a:fontRef idx="minor">
-            <a:schemeClr val="tx1"/>
-          </a:fontRef>
-        </p:style>
-        <p:txBody>
-          <a:bodyPr rtlCol="0" anchor="ctr"/>
-          <a:lstStyle/>
-          <a:p>
-            <a:pPr algn="ctr"/>
-            <a:endParaRPr lang="fr-FR"/>
-          </a:p>
-        </p:txBody>
-      </p:sp>
-      <p:sp>
-        <p:nvSpPr>
-          <p:cNvPr id="55" name="ZoneTexte 54"/>
-          <p:cNvSpPr txBox="1"/>
-          <p:nvPr/>
-        </p:nvSpPr>
-        <p:spPr>
-          <a:xfrm>
-            <a:off x="576552" y="2282388"/>
-            <a:ext cx="349776" cy="276999"/>
-          </a:xfrm>
-          <a:prstGeom prst="rect">
-            <a:avLst/>
-          </a:prstGeom>
-          <a:noFill/>
-        </p:spPr>
-        <p:txBody>
-          <a:bodyPr wrap="none" rtlCol="0">
-            <a:spAutoFit/>
-          </a:bodyPr>
-          <a:lstStyle/>
-          <a:p>
-            <a:r>
-              <a:rPr lang="fr-FR" sz="1200" b="1" dirty="0"/>
-              <a:t>Ph</a:t>
-            </a:r>
-          </a:p>
-        </p:txBody>
-      </p:sp>
-      <p:sp>
-        <p:nvSpPr>
-          <p:cNvPr id="57" name="ZoneTexte 56"/>
-          <p:cNvSpPr txBox="1"/>
-          <p:nvPr/>
-        </p:nvSpPr>
-        <p:spPr>
-          <a:xfrm>
-            <a:off x="1773870" y="2266878"/>
-            <a:ext cx="349776" cy="276999"/>
-          </a:xfrm>
-          <a:prstGeom prst="rect">
-            <a:avLst/>
-          </a:prstGeom>
-          <a:noFill/>
-        </p:spPr>
-        <p:txBody>
-          <a:bodyPr wrap="none" rtlCol="0">
-            <a:spAutoFit/>
-          </a:bodyPr>
-          <a:lstStyle/>
-          <a:p>
-            <a:r>
-              <a:rPr lang="fr-FR" sz="1200" b="1" dirty="0"/>
-              <a:t>Ph</a:t>
-            </a:r>
-          </a:p>
-        </p:txBody>
-      </p:sp>
-      <p:sp>
-        <p:nvSpPr>
-          <p:cNvPr id="58" name="ZoneTexte 57"/>
-          <p:cNvSpPr txBox="1"/>
-          <p:nvPr/>
-        </p:nvSpPr>
-        <p:spPr>
-          <a:xfrm>
-            <a:off x="447909" y="3844266"/>
-            <a:ext cx="1802096" cy="276999"/>
-          </a:xfrm>
-          <a:prstGeom prst="rect">
-            <a:avLst/>
-          </a:prstGeom>
-          <a:noFill/>
-        </p:spPr>
-        <p:txBody>
-          <a:bodyPr wrap="none" rtlCol="0">
-            <a:spAutoFit/>
-          </a:bodyPr>
-          <a:lstStyle/>
-          <a:p>
-            <a:r>
-              <a:rPr lang="fr-FR" sz="1200" b="1" dirty="0"/>
-              <a:t>Ph : </a:t>
-            </a:r>
-            <a:r>
-              <a:rPr lang="fr-FR" sz="1200" dirty="0"/>
-              <a:t>pression hydraulique</a:t>
-            </a:r>
-          </a:p>
-        </p:txBody>
-      </p:sp>
-      <p:sp>
-        <p:nvSpPr>
-          <p:cNvPr id="54" name="Éclair 53"/>
-          <p:cNvSpPr/>
-          <p:nvPr/>
-        </p:nvSpPr>
-        <p:spPr>
-          <a:xfrm rot="20654556" flipV="1">
-            <a:off x="1110781" y="3117896"/>
-            <a:ext cx="286069" cy="332896"/>
-          </a:xfrm>
-          <a:prstGeom prst="lightningBolt">
-            <a:avLst/>
-          </a:prstGeom>
-          <a:solidFill>
-            <a:srgbClr val="FFC000"/>
-          </a:solidFill>
-          <a:ln>
-            <a:solidFill>
-              <a:srgbClr val="FF0000"/>
-            </a:solidFill>
-          </a:ln>
-        </p:spPr>
-        <p:style>
-          <a:lnRef idx="2">
-            <a:schemeClr val="accent1">
-              <a:shade val="50000"/>
-            </a:schemeClr>
-          </a:lnRef>
-          <a:fillRef idx="1">
-            <a:schemeClr val="accent1"/>
-          </a:fillRef>
-          <a:effectRef idx="0">
-            <a:schemeClr val="accent1"/>
-          </a:effectRef>
-          <a:fontRef idx="minor">
-            <a:schemeClr val="lt1"/>
-          </a:fontRef>
-        </p:style>
-        <p:txBody>
-          <a:bodyPr rtlCol="0" anchor="ctr"/>
-          <a:lstStyle/>
-          <a:p>
-            <a:pPr algn="ctr"/>
-            <a:endParaRPr lang="fr-FR"/>
-          </a:p>
-        </p:txBody>
-      </p:sp>
-      <p:sp>
-        <p:nvSpPr>
-          <p:cNvPr id="60" name="ZoneTexte 59"/>
-          <p:cNvSpPr txBox="1"/>
-          <p:nvPr/>
-        </p:nvSpPr>
-        <p:spPr>
-          <a:xfrm>
-            <a:off x="919186" y="3445295"/>
-            <a:ext cx="824906" cy="276999"/>
-          </a:xfrm>
-          <a:prstGeom prst="rect">
-            <a:avLst/>
-          </a:prstGeom>
-          <a:noFill/>
-        </p:spPr>
-        <p:txBody>
-          <a:bodyPr wrap="none" rtlCol="0">
-            <a:spAutoFit/>
-          </a:bodyPr>
-          <a:lstStyle/>
-          <a:p>
-            <a:r>
-              <a:rPr lang="fr-FR" sz="1200" b="1" dirty="0"/>
-              <a:t>Pesanteur</a:t>
-            </a:r>
-          </a:p>
-        </p:txBody>
-      </p:sp>
-    </p:spTree>
-    <p:extLst>
-      <p:ext uri="{BB962C8B-B14F-4D97-AF65-F5344CB8AC3E}">
-        <p14:creationId xmlns:p14="http://schemas.microsoft.com/office/powerpoint/2010/main" val="745607659"/>
-      </p:ext>
-    </p:extLst>
-  </p:cSld>
-  <p:clrMapOvr>
-    <a:masterClrMapping/>
-  </p:clrMapOvr>
-</p:sld>
-</file>
-
 <file path=ppt/theme/theme1.xml><?xml version="1.0" encoding="utf-8"?>
 <a:theme xmlns:a="http://schemas.openxmlformats.org/drawingml/2006/main" name="Thème Office">
   <a:themeElements>
